--- a/OCR.pptx
+++ b/OCR.pptx
@@ -5,18 +5,19 @@
     <p:sldMasterId id="2147483648" r:id="rId1"/>
   </p:sldMasterIdLst>
   <p:sldIdLst>
-    <p:sldId id="256" r:id="rId3"/>
-    <p:sldId id="259" r:id="rId4"/>
-    <p:sldId id="261" r:id="rId5"/>
-    <p:sldId id="262" r:id="rId6"/>
-    <p:sldId id="258" r:id="rId7"/>
-    <p:sldId id="263" r:id="rId8"/>
-    <p:sldId id="264" r:id="rId9"/>
-    <p:sldId id="266" r:id="rId10"/>
-    <p:sldId id="267" r:id="rId11"/>
-    <p:sldId id="265" r:id="rId12"/>
-    <p:sldId id="269" r:id="rId13"/>
-    <p:sldId id="257" r:id="rId14"/>
+    <p:sldId id="256" r:id="rId2"/>
+    <p:sldId id="259" r:id="rId3"/>
+    <p:sldId id="261" r:id="rId4"/>
+    <p:sldId id="262" r:id="rId5"/>
+    <p:sldId id="258" r:id="rId6"/>
+    <p:sldId id="263" r:id="rId7"/>
+    <p:sldId id="264" r:id="rId8"/>
+    <p:sldId id="266" r:id="rId9"/>
+    <p:sldId id="267" r:id="rId10"/>
+    <p:sldId id="265" r:id="rId11"/>
+    <p:sldId id="269" r:id="rId12"/>
+    <p:sldId id="257" r:id="rId13"/>
+    <p:sldId id="270" r:id="rId14"/>
   </p:sldIdLst>
   <p:sldSz cx="12192000" cy="6858000"/>
   <p:notesSz cx="6858000" cy="9144000"/>
@@ -115,6 +116,11 @@
       </a:defRPr>
     </a:lvl9pPr>
   </p:defaultTextStyle>
+  <p:extLst>
+    <p:ext uri="{EFAFB233-063F-42B5-8137-9DF3F51BA10A}">
+      <p15:sldGuideLst xmlns:p15="http://schemas.microsoft.com/office/powerpoint/2012/main"/>
+    </p:ext>
+  </p:extLst>
 </p:presentation>
 </file>
 
@@ -160,10 +166,9 @@
           </a:lstStyle>
           <a:p>
             <a:r>
-              <a:rPr lang="zh-CN" altLang="en-US" smtClean="0"/>
+              <a:rPr lang="zh-CN" altLang="en-US"/>
               <a:t>单击此处编辑母版标题样式</a:t>
             </a:r>
-            <a:endParaRPr lang="zh-CN" altLang="en-US"/>
           </a:p>
         </p:txBody>
       </p:sp>
@@ -225,10 +230,9 @@
           </a:lstStyle>
           <a:p>
             <a:r>
-              <a:rPr lang="zh-CN" altLang="en-US" smtClean="0"/>
+              <a:rPr lang="zh-CN" altLang="en-US"/>
               <a:t>单击此处编辑母版副标题样式</a:t>
             </a:r>
-            <a:endParaRPr lang="zh-CN" altLang="en-US"/>
           </a:p>
         </p:txBody>
       </p:sp>
@@ -249,6 +253,7 @@
           <a:p>
             <a:fld id="{D997B5FA-0921-464F-AAE1-844C04324D75}" type="datetimeFigureOut">
               <a:rPr lang="zh-CN" altLang="en-US" smtClean="0"/>
+              <a:t>2021/9/2</a:t>
             </a:fld>
             <a:endParaRPr lang="zh-CN" altLang="en-US"/>
           </a:p>
@@ -290,6 +295,7 @@
           <a:p>
             <a:fld id="{565CE74E-AB26-4998-AD42-012C4C1AD076}" type="slidenum">
               <a:rPr lang="zh-CN" altLang="en-US" smtClean="0"/>
+              <a:t>‹#›</a:t>
             </a:fld>
             <a:endParaRPr lang="zh-CN" altLang="en-US"/>
           </a:p>
@@ -336,10 +342,9 @@
           <a:lstStyle/>
           <a:p>
             <a:r>
-              <a:rPr lang="zh-CN" altLang="en-US" smtClean="0"/>
+              <a:rPr lang="zh-CN" altLang="en-US"/>
               <a:t>单击此处编辑母版标题样式</a:t>
             </a:r>
-            <a:endParaRPr lang="zh-CN" altLang="en-US"/>
           </a:p>
         </p:txBody>
       </p:sp>
@@ -360,42 +365,37 @@
           <a:p>
             <a:pPr lvl="0"/>
             <a:r>
-              <a:rPr lang="zh-CN" altLang="en-US" smtClean="0"/>
+              <a:rPr lang="zh-CN" altLang="en-US"/>
               <a:t>单击此处编辑母版文本样式</a:t>
             </a:r>
-            <a:endParaRPr lang="zh-CN" altLang="en-US" smtClean="0"/>
           </a:p>
           <a:p>
             <a:pPr lvl="1"/>
             <a:r>
-              <a:rPr lang="zh-CN" altLang="en-US" smtClean="0"/>
+              <a:rPr lang="zh-CN" altLang="en-US"/>
               <a:t>第二级</a:t>
             </a:r>
-            <a:endParaRPr lang="zh-CN" altLang="en-US" smtClean="0"/>
           </a:p>
           <a:p>
             <a:pPr lvl="2"/>
             <a:r>
-              <a:rPr lang="zh-CN" altLang="en-US" smtClean="0"/>
+              <a:rPr lang="zh-CN" altLang="en-US"/>
               <a:t>第三级</a:t>
             </a:r>
-            <a:endParaRPr lang="zh-CN" altLang="en-US" smtClean="0"/>
           </a:p>
           <a:p>
             <a:pPr lvl="3"/>
             <a:r>
-              <a:rPr lang="zh-CN" altLang="en-US" smtClean="0"/>
+              <a:rPr lang="zh-CN" altLang="en-US"/>
               <a:t>第四级</a:t>
             </a:r>
-            <a:endParaRPr lang="zh-CN" altLang="en-US" smtClean="0"/>
           </a:p>
           <a:p>
             <a:pPr lvl="4"/>
             <a:r>
-              <a:rPr lang="zh-CN" altLang="en-US" smtClean="0"/>
+              <a:rPr lang="zh-CN" altLang="en-US"/>
               <a:t>第五级</a:t>
             </a:r>
-            <a:endParaRPr lang="zh-CN" altLang="en-US"/>
           </a:p>
         </p:txBody>
       </p:sp>
@@ -416,6 +416,7 @@
           <a:p>
             <a:fld id="{D997B5FA-0921-464F-AAE1-844C04324D75}" type="datetimeFigureOut">
               <a:rPr lang="zh-CN" altLang="en-US" smtClean="0"/>
+              <a:t>2021/9/2</a:t>
             </a:fld>
             <a:endParaRPr lang="zh-CN" altLang="en-US"/>
           </a:p>
@@ -457,6 +458,7 @@
           <a:p>
             <a:fld id="{565CE74E-AB26-4998-AD42-012C4C1AD076}" type="slidenum">
               <a:rPr lang="zh-CN" altLang="en-US" smtClean="0"/>
+              <a:t>‹#›</a:t>
             </a:fld>
             <a:endParaRPr lang="zh-CN" altLang="en-US"/>
           </a:p>
@@ -508,10 +510,9 @@
           <a:lstStyle/>
           <a:p>
             <a:r>
-              <a:rPr lang="zh-CN" altLang="en-US" smtClean="0"/>
+              <a:rPr lang="zh-CN" altLang="en-US"/>
               <a:t>单击此处编辑母版标题样式</a:t>
             </a:r>
-            <a:endParaRPr lang="zh-CN" altLang="en-US"/>
           </a:p>
         </p:txBody>
       </p:sp>
@@ -537,42 +538,37 @@
           <a:p>
             <a:pPr lvl="0"/>
             <a:r>
-              <a:rPr lang="zh-CN" altLang="en-US" smtClean="0"/>
+              <a:rPr lang="zh-CN" altLang="en-US"/>
               <a:t>单击此处编辑母版文本样式</a:t>
             </a:r>
-            <a:endParaRPr lang="zh-CN" altLang="en-US" smtClean="0"/>
           </a:p>
           <a:p>
             <a:pPr lvl="1"/>
             <a:r>
-              <a:rPr lang="zh-CN" altLang="en-US" smtClean="0"/>
+              <a:rPr lang="zh-CN" altLang="en-US"/>
               <a:t>第二级</a:t>
             </a:r>
-            <a:endParaRPr lang="zh-CN" altLang="en-US" smtClean="0"/>
           </a:p>
           <a:p>
             <a:pPr lvl="2"/>
             <a:r>
-              <a:rPr lang="zh-CN" altLang="en-US" smtClean="0"/>
+              <a:rPr lang="zh-CN" altLang="en-US"/>
               <a:t>第三级</a:t>
             </a:r>
-            <a:endParaRPr lang="zh-CN" altLang="en-US" smtClean="0"/>
           </a:p>
           <a:p>
             <a:pPr lvl="3"/>
             <a:r>
-              <a:rPr lang="zh-CN" altLang="en-US" smtClean="0"/>
+              <a:rPr lang="zh-CN" altLang="en-US"/>
               <a:t>第四级</a:t>
             </a:r>
-            <a:endParaRPr lang="zh-CN" altLang="en-US" smtClean="0"/>
           </a:p>
           <a:p>
             <a:pPr lvl="4"/>
             <a:r>
-              <a:rPr lang="zh-CN" altLang="en-US" smtClean="0"/>
+              <a:rPr lang="zh-CN" altLang="en-US"/>
               <a:t>第五级</a:t>
             </a:r>
-            <a:endParaRPr lang="zh-CN" altLang="en-US"/>
           </a:p>
         </p:txBody>
       </p:sp>
@@ -593,6 +589,7 @@
           <a:p>
             <a:fld id="{D997B5FA-0921-464F-AAE1-844C04324D75}" type="datetimeFigureOut">
               <a:rPr lang="zh-CN" altLang="en-US" smtClean="0"/>
+              <a:t>2021/9/2</a:t>
             </a:fld>
             <a:endParaRPr lang="zh-CN" altLang="en-US"/>
           </a:p>
@@ -634,6 +631,7 @@
           <a:p>
             <a:fld id="{565CE74E-AB26-4998-AD42-012C4C1AD076}" type="slidenum">
               <a:rPr lang="zh-CN" altLang="en-US" smtClean="0"/>
+              <a:t>‹#›</a:t>
             </a:fld>
             <a:endParaRPr lang="zh-CN" altLang="en-US"/>
           </a:p>
@@ -680,10 +678,9 @@
           <a:lstStyle/>
           <a:p>
             <a:r>
-              <a:rPr lang="zh-CN" altLang="en-US" smtClean="0"/>
+              <a:rPr lang="zh-CN" altLang="en-US"/>
               <a:t>单击此处编辑母版标题样式</a:t>
             </a:r>
-            <a:endParaRPr lang="zh-CN" altLang="en-US"/>
           </a:p>
         </p:txBody>
       </p:sp>
@@ -704,42 +701,37 @@
           <a:p>
             <a:pPr lvl="0"/>
             <a:r>
-              <a:rPr lang="zh-CN" altLang="en-US" smtClean="0"/>
+              <a:rPr lang="zh-CN" altLang="en-US"/>
               <a:t>单击此处编辑母版文本样式</a:t>
             </a:r>
-            <a:endParaRPr lang="zh-CN" altLang="en-US" smtClean="0"/>
           </a:p>
           <a:p>
             <a:pPr lvl="1"/>
             <a:r>
-              <a:rPr lang="zh-CN" altLang="en-US" smtClean="0"/>
+              <a:rPr lang="zh-CN" altLang="en-US"/>
               <a:t>第二级</a:t>
             </a:r>
-            <a:endParaRPr lang="zh-CN" altLang="en-US" smtClean="0"/>
           </a:p>
           <a:p>
             <a:pPr lvl="2"/>
             <a:r>
-              <a:rPr lang="zh-CN" altLang="en-US" smtClean="0"/>
+              <a:rPr lang="zh-CN" altLang="en-US"/>
               <a:t>第三级</a:t>
             </a:r>
-            <a:endParaRPr lang="zh-CN" altLang="en-US" smtClean="0"/>
           </a:p>
           <a:p>
             <a:pPr lvl="3"/>
             <a:r>
-              <a:rPr lang="zh-CN" altLang="en-US" smtClean="0"/>
+              <a:rPr lang="zh-CN" altLang="en-US"/>
               <a:t>第四级</a:t>
             </a:r>
-            <a:endParaRPr lang="zh-CN" altLang="en-US" smtClean="0"/>
           </a:p>
           <a:p>
             <a:pPr lvl="4"/>
             <a:r>
-              <a:rPr lang="zh-CN" altLang="en-US" smtClean="0"/>
+              <a:rPr lang="zh-CN" altLang="en-US"/>
               <a:t>第五级</a:t>
             </a:r>
-            <a:endParaRPr lang="zh-CN" altLang="en-US"/>
           </a:p>
         </p:txBody>
       </p:sp>
@@ -760,6 +752,7 @@
           <a:p>
             <a:fld id="{D997B5FA-0921-464F-AAE1-844C04324D75}" type="datetimeFigureOut">
               <a:rPr lang="zh-CN" altLang="en-US" smtClean="0"/>
+              <a:t>2021/9/2</a:t>
             </a:fld>
             <a:endParaRPr lang="zh-CN" altLang="en-US"/>
           </a:p>
@@ -801,6 +794,7 @@
           <a:p>
             <a:fld id="{565CE74E-AB26-4998-AD42-012C4C1AD076}" type="slidenum">
               <a:rPr lang="zh-CN" altLang="en-US" smtClean="0"/>
+              <a:t>‹#›</a:t>
             </a:fld>
             <a:endParaRPr lang="zh-CN" altLang="en-US"/>
           </a:p>
@@ -856,10 +850,9 @@
           </a:lstStyle>
           <a:p>
             <a:r>
-              <a:rPr lang="zh-CN" altLang="en-US" smtClean="0"/>
+              <a:rPr lang="zh-CN" altLang="en-US"/>
               <a:t>单击此处编辑母版标题样式</a:t>
             </a:r>
-            <a:endParaRPr lang="zh-CN" altLang="en-US"/>
           </a:p>
         </p:txBody>
       </p:sp>
@@ -976,10 +969,9 @@
           <a:p>
             <a:pPr lvl="0"/>
             <a:r>
-              <a:rPr lang="zh-CN" altLang="en-US" smtClean="0"/>
+              <a:rPr lang="zh-CN" altLang="en-US"/>
               <a:t>单击此处编辑母版文本样式</a:t>
             </a:r>
-            <a:endParaRPr lang="zh-CN" altLang="en-US" smtClean="0"/>
           </a:p>
         </p:txBody>
       </p:sp>
@@ -1000,6 +992,7 @@
           <a:p>
             <a:fld id="{D997B5FA-0921-464F-AAE1-844C04324D75}" type="datetimeFigureOut">
               <a:rPr lang="zh-CN" altLang="en-US" smtClean="0"/>
+              <a:t>2021/9/2</a:t>
             </a:fld>
             <a:endParaRPr lang="zh-CN" altLang="en-US"/>
           </a:p>
@@ -1041,6 +1034,7 @@
           <a:p>
             <a:fld id="{565CE74E-AB26-4998-AD42-012C4C1AD076}" type="slidenum">
               <a:rPr lang="zh-CN" altLang="en-US" smtClean="0"/>
+              <a:t>‹#›</a:t>
             </a:fld>
             <a:endParaRPr lang="zh-CN" altLang="en-US"/>
           </a:p>
@@ -1087,10 +1081,9 @@
           <a:lstStyle/>
           <a:p>
             <a:r>
-              <a:rPr lang="zh-CN" altLang="en-US" smtClean="0"/>
+              <a:rPr lang="zh-CN" altLang="en-US"/>
               <a:t>单击此处编辑母版标题样式</a:t>
             </a:r>
-            <a:endParaRPr lang="zh-CN" altLang="en-US"/>
           </a:p>
         </p:txBody>
       </p:sp>
@@ -1116,42 +1109,37 @@
           <a:p>
             <a:pPr lvl="0"/>
             <a:r>
-              <a:rPr lang="zh-CN" altLang="en-US" smtClean="0"/>
+              <a:rPr lang="zh-CN" altLang="en-US"/>
               <a:t>单击此处编辑母版文本样式</a:t>
             </a:r>
-            <a:endParaRPr lang="zh-CN" altLang="en-US" smtClean="0"/>
           </a:p>
           <a:p>
             <a:pPr lvl="1"/>
             <a:r>
-              <a:rPr lang="zh-CN" altLang="en-US" smtClean="0"/>
+              <a:rPr lang="zh-CN" altLang="en-US"/>
               <a:t>第二级</a:t>
             </a:r>
-            <a:endParaRPr lang="zh-CN" altLang="en-US" smtClean="0"/>
           </a:p>
           <a:p>
             <a:pPr lvl="2"/>
             <a:r>
-              <a:rPr lang="zh-CN" altLang="en-US" smtClean="0"/>
+              <a:rPr lang="zh-CN" altLang="en-US"/>
               <a:t>第三级</a:t>
             </a:r>
-            <a:endParaRPr lang="zh-CN" altLang="en-US" smtClean="0"/>
           </a:p>
           <a:p>
             <a:pPr lvl="3"/>
             <a:r>
-              <a:rPr lang="zh-CN" altLang="en-US" smtClean="0"/>
+              <a:rPr lang="zh-CN" altLang="en-US"/>
               <a:t>第四级</a:t>
             </a:r>
-            <a:endParaRPr lang="zh-CN" altLang="en-US" smtClean="0"/>
           </a:p>
           <a:p>
             <a:pPr lvl="4"/>
             <a:r>
-              <a:rPr lang="zh-CN" altLang="en-US" smtClean="0"/>
+              <a:rPr lang="zh-CN" altLang="en-US"/>
               <a:t>第五级</a:t>
             </a:r>
-            <a:endParaRPr lang="zh-CN" altLang="en-US"/>
           </a:p>
         </p:txBody>
       </p:sp>
@@ -1177,42 +1165,37 @@
           <a:p>
             <a:pPr lvl="0"/>
             <a:r>
-              <a:rPr lang="zh-CN" altLang="en-US" smtClean="0"/>
+              <a:rPr lang="zh-CN" altLang="en-US"/>
               <a:t>单击此处编辑母版文本样式</a:t>
             </a:r>
-            <a:endParaRPr lang="zh-CN" altLang="en-US" smtClean="0"/>
           </a:p>
           <a:p>
             <a:pPr lvl="1"/>
             <a:r>
-              <a:rPr lang="zh-CN" altLang="en-US" smtClean="0"/>
+              <a:rPr lang="zh-CN" altLang="en-US"/>
               <a:t>第二级</a:t>
             </a:r>
-            <a:endParaRPr lang="zh-CN" altLang="en-US" smtClean="0"/>
           </a:p>
           <a:p>
             <a:pPr lvl="2"/>
             <a:r>
-              <a:rPr lang="zh-CN" altLang="en-US" smtClean="0"/>
+              <a:rPr lang="zh-CN" altLang="en-US"/>
               <a:t>第三级</a:t>
             </a:r>
-            <a:endParaRPr lang="zh-CN" altLang="en-US" smtClean="0"/>
           </a:p>
           <a:p>
             <a:pPr lvl="3"/>
             <a:r>
-              <a:rPr lang="zh-CN" altLang="en-US" smtClean="0"/>
+              <a:rPr lang="zh-CN" altLang="en-US"/>
               <a:t>第四级</a:t>
             </a:r>
-            <a:endParaRPr lang="zh-CN" altLang="en-US" smtClean="0"/>
           </a:p>
           <a:p>
             <a:pPr lvl="4"/>
             <a:r>
-              <a:rPr lang="zh-CN" altLang="en-US" smtClean="0"/>
+              <a:rPr lang="zh-CN" altLang="en-US"/>
               <a:t>第五级</a:t>
             </a:r>
-            <a:endParaRPr lang="zh-CN" altLang="en-US"/>
           </a:p>
         </p:txBody>
       </p:sp>
@@ -1233,6 +1216,7 @@
           <a:p>
             <a:fld id="{D997B5FA-0921-464F-AAE1-844C04324D75}" type="datetimeFigureOut">
               <a:rPr lang="zh-CN" altLang="en-US" smtClean="0"/>
+              <a:t>2021/9/2</a:t>
             </a:fld>
             <a:endParaRPr lang="zh-CN" altLang="en-US"/>
           </a:p>
@@ -1274,6 +1258,7 @@
           <a:p>
             <a:fld id="{565CE74E-AB26-4998-AD42-012C4C1AD076}" type="slidenum">
               <a:rPr lang="zh-CN" altLang="en-US" smtClean="0"/>
+              <a:t>‹#›</a:t>
             </a:fld>
             <a:endParaRPr lang="zh-CN" altLang="en-US"/>
           </a:p>
@@ -1325,10 +1310,9 @@
           <a:lstStyle/>
           <a:p>
             <a:r>
-              <a:rPr lang="zh-CN" altLang="en-US" smtClean="0"/>
+              <a:rPr lang="zh-CN" altLang="en-US"/>
               <a:t>单击此处编辑母版标题样式</a:t>
             </a:r>
-            <a:endParaRPr lang="zh-CN" altLang="en-US"/>
           </a:p>
         </p:txBody>
       </p:sp>
@@ -1391,10 +1375,9 @@
           <a:p>
             <a:pPr lvl="0"/>
             <a:r>
-              <a:rPr lang="zh-CN" altLang="en-US" smtClean="0"/>
+              <a:rPr lang="zh-CN" altLang="en-US"/>
               <a:t>单击此处编辑母版文本样式</a:t>
             </a:r>
-            <a:endParaRPr lang="zh-CN" altLang="en-US" smtClean="0"/>
           </a:p>
         </p:txBody>
       </p:sp>
@@ -1420,42 +1403,37 @@
           <a:p>
             <a:pPr lvl="0"/>
             <a:r>
-              <a:rPr lang="zh-CN" altLang="en-US" smtClean="0"/>
+              <a:rPr lang="zh-CN" altLang="en-US"/>
               <a:t>单击此处编辑母版文本样式</a:t>
             </a:r>
-            <a:endParaRPr lang="zh-CN" altLang="en-US" smtClean="0"/>
           </a:p>
           <a:p>
             <a:pPr lvl="1"/>
             <a:r>
-              <a:rPr lang="zh-CN" altLang="en-US" smtClean="0"/>
+              <a:rPr lang="zh-CN" altLang="en-US"/>
               <a:t>第二级</a:t>
             </a:r>
-            <a:endParaRPr lang="zh-CN" altLang="en-US" smtClean="0"/>
           </a:p>
           <a:p>
             <a:pPr lvl="2"/>
             <a:r>
-              <a:rPr lang="zh-CN" altLang="en-US" smtClean="0"/>
+              <a:rPr lang="zh-CN" altLang="en-US"/>
               <a:t>第三级</a:t>
             </a:r>
-            <a:endParaRPr lang="zh-CN" altLang="en-US" smtClean="0"/>
           </a:p>
           <a:p>
             <a:pPr lvl="3"/>
             <a:r>
-              <a:rPr lang="zh-CN" altLang="en-US" smtClean="0"/>
+              <a:rPr lang="zh-CN" altLang="en-US"/>
               <a:t>第四级</a:t>
             </a:r>
-            <a:endParaRPr lang="zh-CN" altLang="en-US" smtClean="0"/>
           </a:p>
           <a:p>
             <a:pPr lvl="4"/>
             <a:r>
-              <a:rPr lang="zh-CN" altLang="en-US" smtClean="0"/>
+              <a:rPr lang="zh-CN" altLang="en-US"/>
               <a:t>第五级</a:t>
             </a:r>
-            <a:endParaRPr lang="zh-CN" altLang="en-US"/>
           </a:p>
         </p:txBody>
       </p:sp>
@@ -1518,10 +1496,9 @@
           <a:p>
             <a:pPr lvl="0"/>
             <a:r>
-              <a:rPr lang="zh-CN" altLang="en-US" smtClean="0"/>
+              <a:rPr lang="zh-CN" altLang="en-US"/>
               <a:t>单击此处编辑母版文本样式</a:t>
             </a:r>
-            <a:endParaRPr lang="zh-CN" altLang="en-US" smtClean="0"/>
           </a:p>
         </p:txBody>
       </p:sp>
@@ -1547,42 +1524,37 @@
           <a:p>
             <a:pPr lvl="0"/>
             <a:r>
-              <a:rPr lang="zh-CN" altLang="en-US" smtClean="0"/>
+              <a:rPr lang="zh-CN" altLang="en-US"/>
               <a:t>单击此处编辑母版文本样式</a:t>
             </a:r>
-            <a:endParaRPr lang="zh-CN" altLang="en-US" smtClean="0"/>
           </a:p>
           <a:p>
             <a:pPr lvl="1"/>
             <a:r>
-              <a:rPr lang="zh-CN" altLang="en-US" smtClean="0"/>
+              <a:rPr lang="zh-CN" altLang="en-US"/>
               <a:t>第二级</a:t>
             </a:r>
-            <a:endParaRPr lang="zh-CN" altLang="en-US" smtClean="0"/>
           </a:p>
           <a:p>
             <a:pPr lvl="2"/>
             <a:r>
-              <a:rPr lang="zh-CN" altLang="en-US" smtClean="0"/>
+              <a:rPr lang="zh-CN" altLang="en-US"/>
               <a:t>第三级</a:t>
             </a:r>
-            <a:endParaRPr lang="zh-CN" altLang="en-US" smtClean="0"/>
           </a:p>
           <a:p>
             <a:pPr lvl="3"/>
             <a:r>
-              <a:rPr lang="zh-CN" altLang="en-US" smtClean="0"/>
+              <a:rPr lang="zh-CN" altLang="en-US"/>
               <a:t>第四级</a:t>
             </a:r>
-            <a:endParaRPr lang="zh-CN" altLang="en-US" smtClean="0"/>
           </a:p>
           <a:p>
             <a:pPr lvl="4"/>
             <a:r>
-              <a:rPr lang="zh-CN" altLang="en-US" smtClean="0"/>
+              <a:rPr lang="zh-CN" altLang="en-US"/>
               <a:t>第五级</a:t>
             </a:r>
-            <a:endParaRPr lang="zh-CN" altLang="en-US"/>
           </a:p>
         </p:txBody>
       </p:sp>
@@ -1603,6 +1575,7 @@
           <a:p>
             <a:fld id="{D997B5FA-0921-464F-AAE1-844C04324D75}" type="datetimeFigureOut">
               <a:rPr lang="zh-CN" altLang="en-US" smtClean="0"/>
+              <a:t>2021/9/2</a:t>
             </a:fld>
             <a:endParaRPr lang="zh-CN" altLang="en-US"/>
           </a:p>
@@ -1644,6 +1617,7 @@
           <a:p>
             <a:fld id="{565CE74E-AB26-4998-AD42-012C4C1AD076}" type="slidenum">
               <a:rPr lang="zh-CN" altLang="en-US" smtClean="0"/>
+              <a:t>‹#›</a:t>
             </a:fld>
             <a:endParaRPr lang="zh-CN" altLang="en-US"/>
           </a:p>
@@ -1690,10 +1664,9 @@
           <a:lstStyle/>
           <a:p>
             <a:r>
-              <a:rPr lang="zh-CN" altLang="en-US" smtClean="0"/>
+              <a:rPr lang="zh-CN" altLang="en-US"/>
               <a:t>单击此处编辑母版标题样式</a:t>
             </a:r>
-            <a:endParaRPr lang="zh-CN" altLang="en-US"/>
           </a:p>
         </p:txBody>
       </p:sp>
@@ -1714,6 +1687,7 @@
           <a:p>
             <a:fld id="{D997B5FA-0921-464F-AAE1-844C04324D75}" type="datetimeFigureOut">
               <a:rPr lang="zh-CN" altLang="en-US" smtClean="0"/>
+              <a:t>2021/9/2</a:t>
             </a:fld>
             <a:endParaRPr lang="zh-CN" altLang="en-US"/>
           </a:p>
@@ -1755,6 +1729,7 @@
           <a:p>
             <a:fld id="{565CE74E-AB26-4998-AD42-012C4C1AD076}" type="slidenum">
               <a:rPr lang="zh-CN" altLang="en-US" smtClean="0"/>
+              <a:t>‹#›</a:t>
             </a:fld>
             <a:endParaRPr lang="zh-CN" altLang="en-US"/>
           </a:p>
@@ -1802,6 +1777,7 @@
           <a:p>
             <a:fld id="{D997B5FA-0921-464F-AAE1-844C04324D75}" type="datetimeFigureOut">
               <a:rPr lang="zh-CN" altLang="en-US" smtClean="0"/>
+              <a:t>2021/9/2</a:t>
             </a:fld>
             <a:endParaRPr lang="zh-CN" altLang="en-US"/>
           </a:p>
@@ -1843,6 +1819,7 @@
           <a:p>
             <a:fld id="{565CE74E-AB26-4998-AD42-012C4C1AD076}" type="slidenum">
               <a:rPr lang="zh-CN" altLang="en-US" smtClean="0"/>
+              <a:t>‹#›</a:t>
             </a:fld>
             <a:endParaRPr lang="zh-CN" altLang="en-US"/>
           </a:p>
@@ -1898,10 +1875,9 @@
           </a:lstStyle>
           <a:p>
             <a:r>
-              <a:rPr lang="zh-CN" altLang="en-US" smtClean="0"/>
+              <a:rPr lang="zh-CN" altLang="en-US"/>
               <a:t>单击此处编辑母版标题样式</a:t>
             </a:r>
-            <a:endParaRPr lang="zh-CN" altLang="en-US"/>
           </a:p>
         </p:txBody>
       </p:sp>
@@ -1955,42 +1931,37 @@
           <a:p>
             <a:pPr lvl="0"/>
             <a:r>
-              <a:rPr lang="zh-CN" altLang="en-US" smtClean="0"/>
+              <a:rPr lang="zh-CN" altLang="en-US"/>
               <a:t>单击此处编辑母版文本样式</a:t>
             </a:r>
-            <a:endParaRPr lang="zh-CN" altLang="en-US" smtClean="0"/>
           </a:p>
           <a:p>
             <a:pPr lvl="1"/>
             <a:r>
-              <a:rPr lang="zh-CN" altLang="en-US" smtClean="0"/>
+              <a:rPr lang="zh-CN" altLang="en-US"/>
               <a:t>第二级</a:t>
             </a:r>
-            <a:endParaRPr lang="zh-CN" altLang="en-US" smtClean="0"/>
           </a:p>
           <a:p>
             <a:pPr lvl="2"/>
             <a:r>
-              <a:rPr lang="zh-CN" altLang="en-US" smtClean="0"/>
+              <a:rPr lang="zh-CN" altLang="en-US"/>
               <a:t>第三级</a:t>
             </a:r>
-            <a:endParaRPr lang="zh-CN" altLang="en-US" smtClean="0"/>
           </a:p>
           <a:p>
             <a:pPr lvl="3"/>
             <a:r>
-              <a:rPr lang="zh-CN" altLang="en-US" smtClean="0"/>
+              <a:rPr lang="zh-CN" altLang="en-US"/>
               <a:t>第四级</a:t>
             </a:r>
-            <a:endParaRPr lang="zh-CN" altLang="en-US" smtClean="0"/>
           </a:p>
           <a:p>
             <a:pPr lvl="4"/>
             <a:r>
-              <a:rPr lang="zh-CN" altLang="en-US" smtClean="0"/>
+              <a:rPr lang="zh-CN" altLang="en-US"/>
               <a:t>第五级</a:t>
             </a:r>
-            <a:endParaRPr lang="zh-CN" altLang="en-US"/>
           </a:p>
         </p:txBody>
       </p:sp>
@@ -2053,10 +2024,9 @@
           <a:p>
             <a:pPr lvl="0"/>
             <a:r>
-              <a:rPr lang="zh-CN" altLang="en-US" smtClean="0"/>
+              <a:rPr lang="zh-CN" altLang="en-US"/>
               <a:t>单击此处编辑母版文本样式</a:t>
             </a:r>
-            <a:endParaRPr lang="zh-CN" altLang="en-US" smtClean="0"/>
           </a:p>
         </p:txBody>
       </p:sp>
@@ -2077,6 +2047,7 @@
           <a:p>
             <a:fld id="{D997B5FA-0921-464F-AAE1-844C04324D75}" type="datetimeFigureOut">
               <a:rPr lang="zh-CN" altLang="en-US" smtClean="0"/>
+              <a:t>2021/9/2</a:t>
             </a:fld>
             <a:endParaRPr lang="zh-CN" altLang="en-US"/>
           </a:p>
@@ -2118,6 +2089,7 @@
           <a:p>
             <a:fld id="{565CE74E-AB26-4998-AD42-012C4C1AD076}" type="slidenum">
               <a:rPr lang="zh-CN" altLang="en-US" smtClean="0"/>
+              <a:t>‹#›</a:t>
             </a:fld>
             <a:endParaRPr lang="zh-CN" altLang="en-US"/>
           </a:p>
@@ -2173,10 +2145,9 @@
           </a:lstStyle>
           <a:p>
             <a:r>
-              <a:rPr lang="zh-CN" altLang="en-US" smtClean="0"/>
+              <a:rPr lang="zh-CN" altLang="en-US"/>
               <a:t>单击此处编辑母版标题样式</a:t>
             </a:r>
-            <a:endParaRPr lang="zh-CN" altLang="en-US"/>
           </a:p>
         </p:txBody>
       </p:sp>
@@ -2300,10 +2271,9 @@
           <a:p>
             <a:pPr lvl="0"/>
             <a:r>
-              <a:rPr lang="zh-CN" altLang="en-US" smtClean="0"/>
+              <a:rPr lang="zh-CN" altLang="en-US"/>
               <a:t>单击此处编辑母版文本样式</a:t>
             </a:r>
-            <a:endParaRPr lang="zh-CN" altLang="en-US" smtClean="0"/>
           </a:p>
         </p:txBody>
       </p:sp>
@@ -2324,6 +2294,7 @@
           <a:p>
             <a:fld id="{D997B5FA-0921-464F-AAE1-844C04324D75}" type="datetimeFigureOut">
               <a:rPr lang="zh-CN" altLang="en-US" smtClean="0"/>
+              <a:t>2021/9/2</a:t>
             </a:fld>
             <a:endParaRPr lang="zh-CN" altLang="en-US"/>
           </a:p>
@@ -2365,6 +2336,7 @@
           <a:p>
             <a:fld id="{565CE74E-AB26-4998-AD42-012C4C1AD076}" type="slidenum">
               <a:rPr lang="zh-CN" altLang="en-US" smtClean="0"/>
+              <a:t>‹#›</a:t>
             </a:fld>
             <a:endParaRPr lang="zh-CN" altLang="en-US"/>
           </a:p>
@@ -2426,10 +2398,9 @@
           <a:lstStyle/>
           <a:p>
             <a:r>
-              <a:rPr lang="zh-CN" altLang="en-US" smtClean="0"/>
+              <a:rPr lang="zh-CN" altLang="en-US"/>
               <a:t>单击此处编辑母版标题样式</a:t>
             </a:r>
-            <a:endParaRPr lang="zh-CN" altLang="en-US"/>
           </a:p>
         </p:txBody>
       </p:sp>
@@ -2460,42 +2431,37 @@
           <a:p>
             <a:pPr lvl="0"/>
             <a:r>
-              <a:rPr lang="zh-CN" altLang="en-US" smtClean="0"/>
+              <a:rPr lang="zh-CN" altLang="en-US"/>
               <a:t>单击此处编辑母版文本样式</a:t>
             </a:r>
-            <a:endParaRPr lang="zh-CN" altLang="en-US" smtClean="0"/>
           </a:p>
           <a:p>
             <a:pPr lvl="1"/>
             <a:r>
-              <a:rPr lang="zh-CN" altLang="en-US" smtClean="0"/>
+              <a:rPr lang="zh-CN" altLang="en-US"/>
               <a:t>第二级</a:t>
             </a:r>
-            <a:endParaRPr lang="zh-CN" altLang="en-US" smtClean="0"/>
           </a:p>
           <a:p>
             <a:pPr lvl="2"/>
             <a:r>
-              <a:rPr lang="zh-CN" altLang="en-US" smtClean="0"/>
+              <a:rPr lang="zh-CN" altLang="en-US"/>
               <a:t>第三级</a:t>
             </a:r>
-            <a:endParaRPr lang="zh-CN" altLang="en-US" smtClean="0"/>
           </a:p>
           <a:p>
             <a:pPr lvl="3"/>
             <a:r>
-              <a:rPr lang="zh-CN" altLang="en-US" smtClean="0"/>
+              <a:rPr lang="zh-CN" altLang="en-US"/>
               <a:t>第四级</a:t>
             </a:r>
-            <a:endParaRPr lang="zh-CN" altLang="en-US" smtClean="0"/>
           </a:p>
           <a:p>
             <a:pPr lvl="4"/>
             <a:r>
-              <a:rPr lang="zh-CN" altLang="en-US" smtClean="0"/>
+              <a:rPr lang="zh-CN" altLang="en-US"/>
               <a:t>第五级</a:t>
             </a:r>
-            <a:endParaRPr lang="zh-CN" altLang="en-US"/>
           </a:p>
         </p:txBody>
       </p:sp>
@@ -2534,6 +2500,7 @@
           <a:p>
             <a:fld id="{D997B5FA-0921-464F-AAE1-844C04324D75}" type="datetimeFigureOut">
               <a:rPr lang="zh-CN" altLang="en-US" smtClean="0"/>
+              <a:t>2021/9/2</a:t>
             </a:fld>
             <a:endParaRPr lang="zh-CN" altLang="en-US"/>
           </a:p>
@@ -2611,6 +2578,7 @@
           <a:p>
             <a:fld id="{565CE74E-AB26-4998-AD42-012C4C1AD076}" type="slidenum">
               <a:rPr lang="zh-CN" altLang="en-US" smtClean="0"/>
+              <a:t>‹#›</a:t>
             </a:fld>
             <a:endParaRPr lang="zh-CN" altLang="en-US"/>
           </a:p>
@@ -2924,7 +2892,14 @@
         <p:cNvGrpSpPr/>
         <p:nvPr/>
       </p:nvGrpSpPr>
-      <p:grpSpPr/>
+      <p:grpSpPr>
+        <a:xfrm>
+          <a:off x="0" y="0"/>
+          <a:ext cx="0" cy="0"/>
+          <a:chOff x="0" y="0"/>
+          <a:chExt cx="0" cy="0"/>
+        </a:xfrm>
+      </p:grpSpPr>
       <p:sp>
         <p:nvSpPr>
           <p:cNvPr id="5" name="Text Box 4"/>
@@ -2945,12 +2920,12 @@
           <a:bodyPr wrap="square" rtlCol="0">
             <a:spAutoFit/>
           </a:bodyPr>
+          <a:lstStyle/>
           <a:p>
             <a:r>
               <a:rPr lang="en-US" altLang="en-US" sz="3600"/>
               <a:t>目录</a:t>
             </a:r>
-            <a:endParaRPr lang="en-US" altLang="en-US" sz="3600"/>
           </a:p>
         </p:txBody>
       </p:sp>
@@ -2988,6 +2963,7 @@
             <a:bodyPr wrap="square" rtlCol="0">
               <a:spAutoFit/>
             </a:bodyPr>
+            <a:lstStyle/>
             <a:p>
               <a:r>
                 <a:rPr lang="en-US" altLang="en-US" sz="2400">
@@ -2997,11 +2973,6 @@
                 </a:rPr>
                 <a:t>1 OCR简介</a:t>
               </a:r>
-              <a:endParaRPr lang="en-US" altLang="en-US" sz="2400">
-                <a:solidFill>
-                  <a:srgbClr val="FF0000"/>
-                </a:solidFill>
-              </a:endParaRPr>
             </a:p>
           </p:txBody>
         </p:sp>
@@ -3025,6 +2996,7 @@
             <a:bodyPr wrap="square" rtlCol="0">
               <a:spAutoFit/>
             </a:bodyPr>
+            <a:lstStyle/>
             <a:p>
               <a:pPr marL="285750" indent="-285750">
                 <a:buFont typeface="Arial" panose="02080604020202020204" pitchFamily="34" charset="0"/>
@@ -3038,11 +3010,6 @@
                 </a:rPr>
                 <a:t>OCR是什么</a:t>
               </a:r>
-              <a:endParaRPr lang="en-US" altLang="en-US">
-                <a:solidFill>
-                  <a:srgbClr val="FF0000"/>
-                </a:solidFill>
-              </a:endParaRPr>
             </a:p>
             <a:p>
               <a:pPr marL="285750" indent="-285750">
@@ -3057,11 +3024,6 @@
                 </a:rPr>
                 <a:t>面临的难点</a:t>
               </a:r>
-              <a:endParaRPr lang="en-US" altLang="en-US">
-                <a:solidFill>
-                  <a:srgbClr val="FF0000"/>
-                </a:solidFill>
-              </a:endParaRPr>
             </a:p>
           </p:txBody>
         </p:sp>
@@ -3100,12 +3062,12 @@
             <a:bodyPr wrap="square" rtlCol="0">
               <a:spAutoFit/>
             </a:bodyPr>
+            <a:lstStyle/>
             <a:p>
               <a:r>
                 <a:rPr lang="en-US" altLang="en-US" sz="2400"/>
                 <a:t>2 解决方案</a:t>
               </a:r>
-              <a:endParaRPr lang="en-US" altLang="en-US" sz="2400"/>
             </a:p>
           </p:txBody>
         </p:sp>
@@ -3129,6 +3091,7 @@
             <a:bodyPr wrap="square" rtlCol="0">
               <a:spAutoFit/>
             </a:bodyPr>
+            <a:lstStyle/>
             <a:p>
               <a:pPr marL="285750" indent="-285750">
                 <a:buFont typeface="Arial" panose="02080604020202020204" pitchFamily="34" charset="0"/>
@@ -3138,7 +3101,6 @@
                 <a:rPr lang="en-US" altLang="en-US"/>
                 <a:t>检测模型</a:t>
               </a:r>
-              <a:endParaRPr lang="en-US" altLang="en-US"/>
             </a:p>
             <a:p>
               <a:pPr marL="285750" indent="-285750">
@@ -3149,7 +3111,6 @@
                 <a:rPr lang="en-US" altLang="en-US"/>
                 <a:t>方向分类</a:t>
               </a:r>
-              <a:endParaRPr lang="en-US" altLang="en-US"/>
             </a:p>
             <a:p>
               <a:pPr marL="285750" indent="-285750">
@@ -3160,7 +3121,6 @@
                 <a:rPr lang="en-US" altLang="en-US"/>
                 <a:t>识别模型</a:t>
               </a:r>
-              <a:endParaRPr lang="en-US" altLang="en-US"/>
             </a:p>
           </p:txBody>
         </p:sp>
@@ -3199,12 +3159,12 @@
             <a:bodyPr wrap="square" rtlCol="0">
               <a:spAutoFit/>
             </a:bodyPr>
+            <a:lstStyle/>
             <a:p>
               <a:r>
                 <a:rPr lang="en-US" altLang="en-US" sz="2400"/>
                 <a:t>3 部署</a:t>
               </a:r>
-              <a:endParaRPr lang="en-US" altLang="en-US" sz="2400"/>
             </a:p>
           </p:txBody>
         </p:sp>
@@ -3228,6 +3188,7 @@
             <a:bodyPr wrap="square" rtlCol="0">
               <a:spAutoFit/>
             </a:bodyPr>
+            <a:lstStyle/>
             <a:p>
               <a:pPr marL="285750" indent="-285750">
                 <a:buFont typeface="Arial" panose="02080604020202020204" pitchFamily="34" charset="0"/>
@@ -3237,7 +3198,6 @@
                 <a:rPr lang="en-US" altLang="en-US"/>
                 <a:t>？？</a:t>
               </a:r>
-              <a:endParaRPr lang="en-US" altLang="en-US"/>
             </a:p>
           </p:txBody>
         </p:sp>
@@ -3259,7 +3219,14 @@
         <p:cNvGrpSpPr/>
         <p:nvPr/>
       </p:nvGrpSpPr>
-      <p:grpSpPr/>
+      <p:grpSpPr>
+        <a:xfrm>
+          <a:off x="0" y="0"/>
+          <a:ext cx="0" cy="0"/>
+          <a:chOff x="0" y="0"/>
+          <a:chExt cx="0" cy="0"/>
+        </a:xfrm>
+      </p:grpSpPr>
       <p:sp>
         <p:nvSpPr>
           <p:cNvPr id="8" name="Text Box 7"/>
@@ -3280,12 +3247,12 @@
           <a:bodyPr wrap="square" rtlCol="0">
             <a:spAutoFit/>
           </a:bodyPr>
+          <a:lstStyle/>
           <a:p>
             <a:r>
               <a:rPr lang="en-US" altLang="en-US" sz="2000"/>
               <a:t>识别模型</a:t>
             </a:r>
-            <a:endParaRPr lang="en-US" altLang="en-US" sz="2000"/>
           </a:p>
         </p:txBody>
       </p:sp>
@@ -3298,7 +3265,7 @@
           <p:nvPr/>
         </p:nvPicPr>
         <p:blipFill>
-          <a:blip r:embed="rId1"/>
+          <a:blip r:embed="rId2"/>
           <a:stretch>
             <a:fillRect/>
           </a:stretch>
@@ -3346,6 +3313,7 @@
         </p:style>
         <p:txBody>
           <a:bodyPr rtlCol="0" anchor="ctr"/>
+          <a:lstStyle/>
           <a:p>
             <a:pPr algn="ctr"/>
             <a:endParaRPr lang="en-US"/>
@@ -3372,19 +3340,18 @@
           <a:bodyPr wrap="square" rtlCol="0">
             <a:spAutoFit/>
           </a:bodyPr>
+          <a:lstStyle/>
           <a:p>
             <a:r>
               <a:rPr lang="en-US" altLang="en-US"/>
               <a:t>图形矫正模块：</a:t>
             </a:r>
-            <a:endParaRPr lang="en-US" altLang="en-US"/>
           </a:p>
           <a:p>
             <a:r>
               <a:rPr lang="en-US" altLang="en-US"/>
               <a:t>将倾斜、弯曲文本转正，从而降低特征提取的难度</a:t>
             </a:r>
-            <a:endParaRPr lang="en-US" altLang="en-US"/>
           </a:p>
         </p:txBody>
       </p:sp>
@@ -3421,6 +3388,7 @@
         </p:style>
         <p:txBody>
           <a:bodyPr rtlCol="0" anchor="ctr"/>
+          <a:lstStyle/>
           <a:p>
             <a:pPr algn="ctr"/>
             <a:endParaRPr lang="en-US"/>
@@ -3447,19 +3415,18 @@
           <a:bodyPr wrap="square" rtlCol="0">
             <a:spAutoFit/>
           </a:bodyPr>
+          <a:lstStyle/>
           <a:p>
             <a:r>
               <a:rPr lang="en-US" altLang="en-US"/>
               <a:t>视觉特征提取模块：</a:t>
             </a:r>
-            <a:endParaRPr lang="en-US" altLang="en-US"/>
           </a:p>
           <a:p>
             <a:r>
               <a:rPr lang="en-US" altLang="en-US"/>
               <a:t>CNN特征提取，如resnet、mobilenet等</a:t>
             </a:r>
-            <a:endParaRPr lang="en-US" altLang="en-US"/>
           </a:p>
         </p:txBody>
       </p:sp>
@@ -3496,6 +3463,7 @@
         </p:style>
         <p:txBody>
           <a:bodyPr rtlCol="0" anchor="ctr"/>
+          <a:lstStyle/>
           <a:p>
             <a:pPr algn="ctr"/>
             <a:endParaRPr lang="en-US"/>
@@ -3522,19 +3490,18 @@
           <a:bodyPr wrap="square" rtlCol="0">
             <a:spAutoFit/>
           </a:bodyPr>
+          <a:lstStyle/>
           <a:p>
             <a:r>
               <a:rPr lang="en-US" altLang="en-US"/>
               <a:t>序列特征提取模块：</a:t>
             </a:r>
-            <a:endParaRPr lang="en-US" altLang="en-US"/>
           </a:p>
           <a:p>
             <a:r>
               <a:rPr lang="en-US" altLang="en-US"/>
               <a:t>从CNN特征中提取包含上下文信息的序列特征，一般使用BiLSTM</a:t>
             </a:r>
-            <a:endParaRPr lang="en-US" altLang="en-US"/>
           </a:p>
         </p:txBody>
       </p:sp>
@@ -3571,6 +3538,7 @@
         </p:style>
         <p:txBody>
           <a:bodyPr rtlCol="0" anchor="ctr"/>
+          <a:lstStyle/>
           <a:p>
             <a:pPr algn="ctr"/>
             <a:endParaRPr lang="en-US"/>
@@ -3597,19 +3565,18 @@
           <a:bodyPr wrap="square" rtlCol="0">
             <a:spAutoFit/>
           </a:bodyPr>
+          <a:lstStyle/>
           <a:p>
             <a:r>
               <a:rPr lang="en-US" altLang="en-US"/>
               <a:t>预测模块：</a:t>
             </a:r>
-            <a:endParaRPr lang="en-US" altLang="en-US"/>
           </a:p>
           <a:p>
             <a:r>
               <a:rPr lang="en-US" altLang="en-US"/>
               <a:t>从序列特征预测字符，一般有CTC和Attention方法</a:t>
             </a:r>
-            <a:endParaRPr lang="en-US" altLang="en-US"/>
           </a:p>
         </p:txBody>
       </p:sp>
@@ -3633,6 +3600,7 @@
           <a:bodyPr wrap="square" rtlCol="0">
             <a:spAutoFit/>
           </a:bodyPr>
+          <a:lstStyle/>
           <a:p>
             <a:r>
               <a:rPr lang="en-US" altLang="en-US" sz="1200"/>
@@ -3642,7 +3610,6 @@
               <a:rPr lang="en-US" sz="1200"/>
               <a:t>What is wrong with scene text recognition model comparisons? Dataset and Model Analysis ， ICCV, 2019</a:t>
             </a:r>
-            <a:endParaRPr lang="en-US" sz="1200"/>
           </a:p>
         </p:txBody>
       </p:sp>
@@ -3663,7 +3630,14 @@
         <p:cNvGrpSpPr/>
         <p:nvPr/>
       </p:nvGrpSpPr>
-      <p:grpSpPr/>
+      <p:grpSpPr>
+        <a:xfrm>
+          <a:off x="0" y="0"/>
+          <a:ext cx="0" cy="0"/>
+          <a:chOff x="0" y="0"/>
+          <a:chExt cx="0" cy="0"/>
+        </a:xfrm>
+      </p:grpSpPr>
       <p:sp>
         <p:nvSpPr>
           <p:cNvPr id="8" name="Text Box 7"/>
@@ -3684,19 +3658,18 @@
           <a:bodyPr wrap="square" rtlCol="0">
             <a:spAutoFit/>
           </a:bodyPr>
+          <a:lstStyle/>
           <a:p>
             <a:r>
               <a:rPr lang="en-US" altLang="en-US" sz="2000"/>
               <a:t>识别模型</a:t>
             </a:r>
-            <a:endParaRPr lang="en-US" altLang="en-US" sz="2000"/>
           </a:p>
           <a:p>
             <a:r>
               <a:rPr lang="en-US" altLang="en-US"/>
               <a:t>   CRNN+CTC</a:t>
             </a:r>
-            <a:endParaRPr lang="en-US" altLang="en-US"/>
           </a:p>
         </p:txBody>
       </p:sp>
@@ -3709,7 +3682,7 @@
           <p:nvPr/>
         </p:nvPicPr>
         <p:blipFill>
-          <a:blip r:embed="rId1"/>
+          <a:blip r:embed="rId2"/>
           <a:stretch>
             <a:fillRect/>
           </a:stretch>
@@ -3733,7 +3706,7 @@
           <p:nvPr/>
         </p:nvPicPr>
         <p:blipFill>
-          <a:blip r:embed="rId2"/>
+          <a:blip r:embed="rId3"/>
           <a:stretch>
             <a:fillRect/>
           </a:stretch>
@@ -3768,12 +3741,12 @@
           <a:bodyPr wrap="square" rtlCol="0">
             <a:spAutoFit/>
           </a:bodyPr>
+          <a:lstStyle/>
           <a:p>
             <a:r>
               <a:rPr lang="en-US" altLang="en-US"/>
               <a:t>CTC loss解决训练时字符无法对齐的问题</a:t>
             </a:r>
-            <a:endParaRPr lang="en-US" altLang="en-US"/>
           </a:p>
         </p:txBody>
       </p:sp>
@@ -3797,12 +3770,12 @@
           <a:bodyPr wrap="square" rtlCol="0">
             <a:spAutoFit/>
           </a:bodyPr>
+          <a:lstStyle/>
           <a:p>
             <a:r>
               <a:rPr lang="en-US" altLang="en-US"/>
               <a:t>-ss--ta-tt--ee--</a:t>
             </a:r>
-            <a:endParaRPr lang="en-US" altLang="en-US"/>
           </a:p>
         </p:txBody>
       </p:sp>
@@ -3826,12 +3799,12 @@
           <a:bodyPr wrap="square" rtlCol="0">
             <a:spAutoFit/>
           </a:bodyPr>
+          <a:lstStyle/>
           <a:p>
             <a:r>
               <a:rPr lang="en-US" altLang="en-US"/>
               <a:t>state</a:t>
             </a:r>
-            <a:endParaRPr lang="en-US" altLang="en-US"/>
           </a:p>
         </p:txBody>
       </p:sp>
@@ -3868,6 +3841,7 @@
         </p:style>
         <p:txBody>
           <a:bodyPr rtlCol="0" anchor="ctr"/>
+          <a:lstStyle/>
           <a:p>
             <a:pPr algn="ctr"/>
             <a:endParaRPr lang="en-US"/>
@@ -3907,6 +3881,7 @@
         </p:style>
         <p:txBody>
           <a:bodyPr rtlCol="0" anchor="ctr"/>
+          <a:lstStyle/>
           <a:p>
             <a:pPr algn="ctr"/>
             <a:endParaRPr lang="en-US"/>
@@ -3933,12 +3908,12 @@
           <a:bodyPr wrap="square" rtlCol="0">
             <a:spAutoFit/>
           </a:bodyPr>
+          <a:lstStyle/>
           <a:p>
             <a:r>
               <a:rPr lang="en-US" altLang="en-US"/>
               <a:t>如何训练?</a:t>
             </a:r>
-            <a:endParaRPr lang="en-US" altLang="en-US"/>
           </a:p>
         </p:txBody>
       </p:sp>
@@ -3959,7 +3934,14 @@
         <p:cNvGrpSpPr/>
         <p:nvPr/>
       </p:nvGrpSpPr>
-      <p:grpSpPr/>
+      <p:grpSpPr>
+        <a:xfrm>
+          <a:off x="0" y="0"/>
+          <a:ext cx="0" cy="0"/>
+          <a:chOff x="0" y="0"/>
+          <a:chExt cx="0" cy="0"/>
+        </a:xfrm>
+      </p:grpSpPr>
       <p:sp>
         <p:nvSpPr>
           <p:cNvPr id="5" name="Text Box 4"/>
@@ -3980,12 +3962,12 @@
           <a:bodyPr wrap="square" rtlCol="0">
             <a:spAutoFit/>
           </a:bodyPr>
+          <a:lstStyle/>
           <a:p>
             <a:r>
               <a:rPr lang="en-US" altLang="en-US" sz="3600"/>
               <a:t>目录</a:t>
             </a:r>
-            <a:endParaRPr lang="en-US" altLang="en-US" sz="3600"/>
           </a:p>
         </p:txBody>
       </p:sp>
@@ -4023,6 +4005,7 @@
             <a:bodyPr wrap="square" rtlCol="0">
               <a:spAutoFit/>
             </a:bodyPr>
+            <a:lstStyle/>
             <a:p>
               <a:r>
                 <a:rPr lang="en-US" altLang="en-US" sz="2400">
@@ -4032,11 +4015,6 @@
                 </a:rPr>
                 <a:t>1 OCR简介</a:t>
               </a:r>
-              <a:endParaRPr lang="en-US" altLang="en-US" sz="2400">
-                <a:solidFill>
-                  <a:schemeClr val="tx1"/>
-                </a:solidFill>
-              </a:endParaRPr>
             </a:p>
           </p:txBody>
         </p:sp>
@@ -4060,6 +4038,7 @@
             <a:bodyPr wrap="square" rtlCol="0">
               <a:spAutoFit/>
             </a:bodyPr>
+            <a:lstStyle/>
             <a:p>
               <a:pPr marL="285750" indent="-285750">
                 <a:buFont typeface="Arial" panose="02080604020202020204" pitchFamily="34" charset="0"/>
@@ -4073,11 +4052,6 @@
                 </a:rPr>
                 <a:t>OCR是什么</a:t>
               </a:r>
-              <a:endParaRPr lang="en-US" altLang="en-US">
-                <a:solidFill>
-                  <a:schemeClr val="tx1"/>
-                </a:solidFill>
-              </a:endParaRPr>
             </a:p>
             <a:p>
               <a:pPr marL="285750" indent="-285750">
@@ -4092,11 +4066,6 @@
                 </a:rPr>
                 <a:t>面临的难点</a:t>
               </a:r>
-              <a:endParaRPr lang="en-US" altLang="en-US">
-                <a:solidFill>
-                  <a:schemeClr val="tx1"/>
-                </a:solidFill>
-              </a:endParaRPr>
             </a:p>
           </p:txBody>
         </p:sp>
@@ -4135,12 +4104,12 @@
             <a:bodyPr wrap="square" rtlCol="0">
               <a:spAutoFit/>
             </a:bodyPr>
+            <a:lstStyle/>
             <a:p>
               <a:r>
                 <a:rPr lang="en-US" altLang="en-US" sz="2400"/>
                 <a:t>2 解决方案</a:t>
               </a:r>
-              <a:endParaRPr lang="en-US" altLang="en-US" sz="2400"/>
             </a:p>
           </p:txBody>
         </p:sp>
@@ -4164,6 +4133,7 @@
             <a:bodyPr wrap="square" rtlCol="0">
               <a:spAutoFit/>
             </a:bodyPr>
+            <a:lstStyle/>
             <a:p>
               <a:pPr marL="285750" indent="-285750">
                 <a:buFont typeface="Arial" panose="02080604020202020204" pitchFamily="34" charset="0"/>
@@ -4173,7 +4143,6 @@
                 <a:rPr lang="en-US" altLang="en-US"/>
                 <a:t>检测模型</a:t>
               </a:r>
-              <a:endParaRPr lang="en-US" altLang="en-US"/>
             </a:p>
             <a:p>
               <a:pPr marL="285750" indent="-285750">
@@ -4184,7 +4153,6 @@
                 <a:rPr lang="en-US" altLang="en-US"/>
                 <a:t>方向分类</a:t>
               </a:r>
-              <a:endParaRPr lang="en-US" altLang="en-US"/>
             </a:p>
             <a:p>
               <a:pPr marL="285750" indent="-285750">
@@ -4195,7 +4163,6 @@
                 <a:rPr lang="en-US" altLang="en-US"/>
                 <a:t>识别模型</a:t>
               </a:r>
-              <a:endParaRPr lang="en-US" altLang="en-US"/>
             </a:p>
           </p:txBody>
         </p:sp>
@@ -4234,6 +4201,7 @@
             <a:bodyPr wrap="square" rtlCol="0">
               <a:spAutoFit/>
             </a:bodyPr>
+            <a:lstStyle/>
             <a:p>
               <a:r>
                 <a:rPr lang="en-US" altLang="en-US" sz="2400">
@@ -4243,11 +4211,6 @@
                 </a:rPr>
                 <a:t>3 部署</a:t>
               </a:r>
-              <a:endParaRPr lang="en-US" altLang="en-US" sz="2400">
-                <a:solidFill>
-                  <a:srgbClr val="FF0000"/>
-                </a:solidFill>
-              </a:endParaRPr>
             </a:p>
           </p:txBody>
         </p:sp>
@@ -4271,6 +4234,7 @@
             <a:bodyPr wrap="square" rtlCol="0">
               <a:spAutoFit/>
             </a:bodyPr>
+            <a:lstStyle/>
             <a:p>
               <a:pPr marL="285750" indent="-285750">
                 <a:buFont typeface="Arial" panose="02080604020202020204" pitchFamily="34" charset="0"/>
@@ -4284,16 +4248,112 @@
                 </a:rPr>
                 <a:t>？？</a:t>
               </a:r>
-              <a:endParaRPr lang="en-US" altLang="en-US">
-                <a:solidFill>
-                  <a:srgbClr val="FF0000"/>
-                </a:solidFill>
-              </a:endParaRPr>
             </a:p>
           </p:txBody>
         </p:sp>
       </p:grpSp>
     </p:spTree>
+  </p:cSld>
+  <p:clrMapOvr>
+    <a:masterClrMapping/>
+  </p:clrMapOvr>
+</p:sld>
+</file>
+
+<file path=ppt/slides/slide13.xml><?xml version="1.0" encoding="utf-8"?>
+<p:sld xmlns:a="http://schemas.openxmlformats.org/drawingml/2006/main" xmlns:r="http://schemas.openxmlformats.org/officeDocument/2006/relationships" xmlns:p="http://schemas.openxmlformats.org/presentationml/2006/main">
+  <p:cSld>
+    <p:spTree>
+      <p:nvGrpSpPr>
+        <p:cNvPr id="1" name=""/>
+        <p:cNvGrpSpPr/>
+        <p:nvPr/>
+      </p:nvGrpSpPr>
+      <p:grpSpPr>
+        <a:xfrm>
+          <a:off x="0" y="0"/>
+          <a:ext cx="0" cy="0"/>
+          <a:chOff x="0" y="0"/>
+          <a:chExt cx="0" cy="0"/>
+        </a:xfrm>
+      </p:grpSpPr>
+      <p:pic>
+        <p:nvPicPr>
+          <p:cNvPr id="3" name="图片 2">
+            <a:extLst>
+              <a:ext uri="{FF2B5EF4-FFF2-40B4-BE49-F238E27FC236}">
+                <a16:creationId xmlns:a16="http://schemas.microsoft.com/office/drawing/2014/main" id="{AAA6E868-8E32-004D-AF83-2C98EDEC9623}"/>
+              </a:ext>
+            </a:extLst>
+          </p:cNvPr>
+          <p:cNvPicPr>
+            <a:picLocks noChangeAspect="1"/>
+          </p:cNvPicPr>
+          <p:nvPr/>
+        </p:nvPicPr>
+        <p:blipFill>
+          <a:blip r:embed="rId2">
+            <a:extLst>
+              <a:ext uri="{28A0092B-C50C-407E-A947-70E740481C1C}">
+                <a14:useLocalDpi xmlns:a14="http://schemas.microsoft.com/office/drawing/2010/main" val="0"/>
+              </a:ext>
+            </a:extLst>
+          </a:blip>
+          <a:stretch>
+            <a:fillRect/>
+          </a:stretch>
+        </p:blipFill>
+        <p:spPr>
+          <a:xfrm rot="10800000">
+            <a:off x="2764221" y="1094389"/>
+            <a:ext cx="5833241" cy="4374931"/>
+          </a:xfrm>
+          <a:prstGeom prst="rect">
+            <a:avLst/>
+          </a:prstGeom>
+        </p:spPr>
+      </p:pic>
+      <p:sp>
+        <p:nvSpPr>
+          <p:cNvPr id="4" name="文本框 3">
+            <a:extLst>
+              <a:ext uri="{FF2B5EF4-FFF2-40B4-BE49-F238E27FC236}">
+                <a16:creationId xmlns:a16="http://schemas.microsoft.com/office/drawing/2014/main" id="{5A6881FB-1B8D-B84D-B0F8-123276DF5D4B}"/>
+              </a:ext>
+            </a:extLst>
+          </p:cNvPr>
+          <p:cNvSpPr txBox="1"/>
+          <p:nvPr/>
+        </p:nvSpPr>
+        <p:spPr>
+          <a:xfrm>
+            <a:off x="714703" y="378372"/>
+            <a:ext cx="2154622" cy="369332"/>
+          </a:xfrm>
+          <a:prstGeom prst="rect">
+            <a:avLst/>
+          </a:prstGeom>
+          <a:noFill/>
+        </p:spPr>
+        <p:txBody>
+          <a:bodyPr wrap="square" rtlCol="0">
+            <a:spAutoFit/>
+          </a:bodyPr>
+          <a:lstStyle/>
+          <a:p>
+            <a:r>
+              <a:rPr kumimoji="1" lang="zh-CN" altLang="en-US" dirty="0"/>
+              <a:t>竖排横排的判断</a:t>
+            </a:r>
+          </a:p>
+        </p:txBody>
+      </p:sp>
+    </p:spTree>
+    <p:extLst>
+      <p:ext uri="{BB962C8B-B14F-4D97-AF65-F5344CB8AC3E}">
+        <p14:creationId xmlns:p14="http://schemas.microsoft.com/office/powerpoint/2010/main" val="2863583397"/>
+      </p:ext>
+    </p:extLst>
   </p:cSld>
   <p:clrMapOvr>
     <a:masterClrMapping/>
@@ -4310,7 +4370,14 @@
         <p:cNvGrpSpPr/>
         <p:nvPr/>
       </p:nvGrpSpPr>
-      <p:grpSpPr/>
+      <p:grpSpPr>
+        <a:xfrm>
+          <a:off x="0" y="0"/>
+          <a:ext cx="0" cy="0"/>
+          <a:chOff x="0" y="0"/>
+          <a:chExt cx="0" cy="0"/>
+        </a:xfrm>
+      </p:grpSpPr>
       <p:sp>
         <p:nvSpPr>
           <p:cNvPr id="4" name="Text Box 3"/>
@@ -4331,12 +4398,12 @@
           <a:bodyPr wrap="square" rtlCol="0">
             <a:spAutoFit/>
           </a:bodyPr>
+          <a:lstStyle/>
           <a:p>
             <a:r>
               <a:rPr lang="en-US" altLang="en-US"/>
               <a:t>OCR: Optical Character Recognition，光学字符识别</a:t>
             </a:r>
-            <a:endParaRPr lang="en-US" altLang="en-US"/>
           </a:p>
         </p:txBody>
       </p:sp>
@@ -4349,7 +4416,7 @@
           <p:nvPr/>
         </p:nvPicPr>
         <p:blipFill>
-          <a:blip r:embed="rId1"/>
+          <a:blip r:embed="rId2"/>
           <a:stretch>
             <a:fillRect/>
           </a:stretch>
@@ -4373,7 +4440,7 @@
           <p:nvPr/>
         </p:nvPicPr>
         <p:blipFill>
-          <a:blip r:embed="rId2"/>
+          <a:blip r:embed="rId3"/>
           <a:stretch>
             <a:fillRect/>
           </a:stretch>
@@ -4408,12 +4475,12 @@
           <a:bodyPr wrap="square" rtlCol="0">
             <a:spAutoFit/>
           </a:bodyPr>
+          <a:lstStyle/>
           <a:p>
             <a:r>
               <a:rPr lang="en-US" altLang="en-US" sz="2000"/>
               <a:t>OCR 是什么</a:t>
             </a:r>
-            <a:endParaRPr lang="en-US" altLang="en-US" sz="2000"/>
           </a:p>
         </p:txBody>
       </p:sp>
@@ -4437,12 +4504,12 @@
           <a:bodyPr wrap="square" rtlCol="0">
             <a:spAutoFit/>
           </a:bodyPr>
+          <a:lstStyle/>
           <a:p>
             <a:r>
               <a:rPr lang="en-US" altLang="en-US"/>
               <a:t>扫描文档</a:t>
             </a:r>
-            <a:endParaRPr lang="en-US" altLang="en-US"/>
           </a:p>
         </p:txBody>
       </p:sp>
@@ -4466,12 +4533,12 @@
           <a:bodyPr wrap="square" rtlCol="0">
             <a:spAutoFit/>
           </a:bodyPr>
+          <a:lstStyle/>
           <a:p>
             <a:r>
               <a:rPr lang="en-US" altLang="en-US"/>
               <a:t>自然场景</a:t>
             </a:r>
-            <a:endParaRPr lang="en-US" altLang="en-US"/>
           </a:p>
         </p:txBody>
       </p:sp>
@@ -4492,7 +4559,14 @@
         <p:cNvGrpSpPr/>
         <p:nvPr/>
       </p:nvGrpSpPr>
-      <p:grpSpPr/>
+      <p:grpSpPr>
+        <a:xfrm>
+          <a:off x="0" y="0"/>
+          <a:ext cx="0" cy="0"/>
+          <a:chOff x="0" y="0"/>
+          <a:chExt cx="0" cy="0"/>
+        </a:xfrm>
+      </p:grpSpPr>
       <p:sp>
         <p:nvSpPr>
           <p:cNvPr id="8" name="Text Box 7"/>
@@ -4513,19 +4587,18 @@
           <a:bodyPr wrap="square" rtlCol="0">
             <a:spAutoFit/>
           </a:bodyPr>
+          <a:lstStyle/>
           <a:p>
             <a:r>
               <a:rPr lang="en-US" altLang="en-US" sz="2000"/>
               <a:t>面临的难点</a:t>
             </a:r>
-            <a:endParaRPr lang="en-US" altLang="en-US" sz="2000"/>
           </a:p>
           <a:p>
             <a:r>
               <a:rPr lang="en-US" altLang="en-US" sz="1600"/>
               <a:t>1 文字表观多样性</a:t>
             </a:r>
-            <a:endParaRPr lang="en-US" altLang="en-US" sz="1600"/>
           </a:p>
         </p:txBody>
       </p:sp>
@@ -4538,7 +4611,7 @@
           <p:nvPr/>
         </p:nvPicPr>
         <p:blipFill>
-          <a:blip r:embed="rId1"/>
+          <a:blip r:embed="rId2"/>
           <a:stretch>
             <a:fillRect/>
           </a:stretch>
@@ -4562,7 +4635,7 @@
           <p:nvPr/>
         </p:nvPicPr>
         <p:blipFill>
-          <a:blip r:embed="rId2"/>
+          <a:blip r:embed="rId3"/>
           <a:stretch>
             <a:fillRect/>
           </a:stretch>
@@ -4586,7 +4659,7 @@
           <p:nvPr/>
         </p:nvPicPr>
         <p:blipFill>
-          <a:blip r:embed="rId3"/>
+          <a:blip r:embed="rId4"/>
           <a:stretch>
             <a:fillRect/>
           </a:stretch>
@@ -4610,7 +4683,7 @@
           <p:nvPr/>
         </p:nvPicPr>
         <p:blipFill>
-          <a:blip r:embed="rId4"/>
+          <a:blip r:embed="rId5"/>
           <a:stretch>
             <a:fillRect/>
           </a:stretch>
@@ -4634,7 +4707,7 @@
           <p:nvPr/>
         </p:nvPicPr>
         <p:blipFill>
-          <a:blip r:embed="rId5"/>
+          <a:blip r:embed="rId6"/>
           <a:stretch>
             <a:fillRect/>
           </a:stretch>
@@ -4658,7 +4731,7 @@
           <p:nvPr/>
         </p:nvPicPr>
         <p:blipFill>
-          <a:blip r:embed="rId6"/>
+          <a:blip r:embed="rId7"/>
           <a:stretch>
             <a:fillRect/>
           </a:stretch>
@@ -4682,7 +4755,7 @@
           <p:nvPr/>
         </p:nvPicPr>
         <p:blipFill>
-          <a:blip r:embed="rId7"/>
+          <a:blip r:embed="rId8"/>
           <a:stretch>
             <a:fillRect/>
           </a:stretch>
@@ -4706,7 +4779,7 @@
           <p:nvPr/>
         </p:nvPicPr>
         <p:blipFill>
-          <a:blip r:embed="rId8"/>
+          <a:blip r:embed="rId9"/>
           <a:stretch>
             <a:fillRect/>
           </a:stretch>
@@ -4741,12 +4814,12 @@
           <a:bodyPr wrap="square" rtlCol="0">
             <a:spAutoFit/>
           </a:bodyPr>
+          <a:lstStyle/>
           <a:p>
             <a:r>
               <a:rPr lang="en-US" altLang="en-US"/>
               <a:t>文字弯曲</a:t>
             </a:r>
-            <a:endParaRPr lang="en-US" altLang="en-US"/>
           </a:p>
         </p:txBody>
       </p:sp>
@@ -4770,12 +4843,12 @@
           <a:bodyPr wrap="square" rtlCol="0">
             <a:spAutoFit/>
           </a:bodyPr>
+          <a:lstStyle/>
           <a:p>
             <a:r>
               <a:rPr lang="en-US" altLang="en-US"/>
               <a:t>拍摄模糊</a:t>
             </a:r>
-            <a:endParaRPr lang="en-US" altLang="en-US"/>
           </a:p>
         </p:txBody>
       </p:sp>
@@ -4799,12 +4872,12 @@
           <a:bodyPr wrap="square" rtlCol="0">
             <a:spAutoFit/>
           </a:bodyPr>
+          <a:lstStyle/>
           <a:p>
             <a:r>
               <a:rPr lang="en-US" altLang="en-US"/>
               <a:t>纸张褶皱</a:t>
             </a:r>
-            <a:endParaRPr lang="en-US" altLang="en-US"/>
           </a:p>
         </p:txBody>
       </p:sp>
@@ -4828,12 +4901,12 @@
           <a:bodyPr wrap="square" rtlCol="0">
             <a:spAutoFit/>
           </a:bodyPr>
+          <a:lstStyle/>
           <a:p>
             <a:r>
               <a:rPr lang="en-US" altLang="en-US"/>
               <a:t>手写文字</a:t>
             </a:r>
-            <a:endParaRPr lang="en-US" altLang="en-US"/>
           </a:p>
         </p:txBody>
       </p:sp>
@@ -4857,12 +4930,12 @@
           <a:bodyPr wrap="square" rtlCol="0">
             <a:spAutoFit/>
           </a:bodyPr>
+          <a:lstStyle/>
           <a:p>
             <a:r>
               <a:rPr lang="en-US" altLang="en-US"/>
               <a:t>密集文字</a:t>
             </a:r>
-            <a:endParaRPr lang="en-US" altLang="en-US"/>
           </a:p>
         </p:txBody>
       </p:sp>
@@ -4886,6 +4959,7 @@
           <a:bodyPr wrap="square" rtlCol="0">
             <a:spAutoFit/>
           </a:bodyPr>
+          <a:lstStyle/>
           <a:p>
             <a:r>
               <a:rPr lang="en-US" altLang="en-US">
@@ -4917,6 +4991,7 @@
           <a:bodyPr wrap="square" rtlCol="0">
             <a:spAutoFit/>
           </a:bodyPr>
+          <a:lstStyle/>
           <a:p>
             <a:r>
               <a:rPr lang="en-US" altLang="en-US">
@@ -4948,6 +5023,7 @@
           <a:bodyPr wrap="square" rtlCol="0">
             <a:spAutoFit/>
           </a:bodyPr>
+          <a:lstStyle/>
           <a:p>
             <a:r>
               <a:rPr lang="en-US" altLang="en-US">
@@ -4976,7 +5052,14 @@
         <p:cNvGrpSpPr/>
         <p:nvPr/>
       </p:nvGrpSpPr>
-      <p:grpSpPr/>
+      <p:grpSpPr>
+        <a:xfrm>
+          <a:off x="0" y="0"/>
+          <a:ext cx="0" cy="0"/>
+          <a:chOff x="0" y="0"/>
+          <a:chExt cx="0" cy="0"/>
+        </a:xfrm>
+      </p:grpSpPr>
       <p:sp>
         <p:nvSpPr>
           <p:cNvPr id="8" name="Text Box 7"/>
@@ -4997,19 +5080,18 @@
           <a:bodyPr wrap="square" rtlCol="0">
             <a:spAutoFit/>
           </a:bodyPr>
+          <a:lstStyle/>
           <a:p>
             <a:r>
               <a:rPr lang="en-US" altLang="en-US" sz="2000"/>
               <a:t>面临的难点</a:t>
             </a:r>
-            <a:endParaRPr lang="en-US" altLang="en-US" sz="2000"/>
           </a:p>
           <a:p>
             <a:r>
               <a:rPr lang="en-US" altLang="en-US" sz="1600"/>
               <a:t>2 效果和效率的权衡</a:t>
             </a:r>
-            <a:endParaRPr lang="en-US" altLang="en-US" sz="1600"/>
           </a:p>
         </p:txBody>
       </p:sp>
@@ -5057,6 +5139,7 @@
         </p:style>
         <p:txBody>
           <a:bodyPr rtlCol="0" anchor="ctr"/>
+          <a:lstStyle/>
           <a:p>
             <a:pPr algn="ctr"/>
             <a:endParaRPr lang="en-US">
@@ -5111,6 +5194,7 @@
         </p:style>
         <p:txBody>
           <a:bodyPr rtlCol="0" anchor="ctr"/>
+          <a:lstStyle/>
           <a:p>
             <a:pPr algn="ctr"/>
             <a:endParaRPr lang="en-US"/>
@@ -5161,6 +5245,7 @@
         </p:style>
         <p:txBody>
           <a:bodyPr rtlCol="0" anchor="ctr"/>
+          <a:lstStyle/>
           <a:p>
             <a:pPr algn="ctr"/>
             <a:r>
@@ -5171,11 +5256,6 @@
               </a:rPr>
               <a:t>识别</a:t>
             </a:r>
-            <a:endParaRPr lang="en-US" altLang="en-US">
-              <a:solidFill>
-                <a:schemeClr val="tx1"/>
-              </a:solidFill>
-            </a:endParaRPr>
           </a:p>
           <a:p>
             <a:pPr algn="ctr"/>
@@ -5187,11 +5267,6 @@
               </a:rPr>
               <a:t>准确率</a:t>
             </a:r>
-            <a:endParaRPr lang="en-US" altLang="en-US">
-              <a:solidFill>
-                <a:schemeClr val="tx1"/>
-              </a:solidFill>
-            </a:endParaRPr>
           </a:p>
         </p:txBody>
       </p:sp>
@@ -5239,6 +5314,7 @@
         </p:style>
         <p:txBody>
           <a:bodyPr rtlCol="0" anchor="ctr"/>
+          <a:lstStyle/>
           <a:p>
             <a:pPr algn="ctr"/>
             <a:r>
@@ -5249,11 +5325,6 @@
               </a:rPr>
               <a:t>模型</a:t>
             </a:r>
-            <a:endParaRPr lang="en-US" altLang="en-US">
-              <a:solidFill>
-                <a:schemeClr val="tx1"/>
-              </a:solidFill>
-            </a:endParaRPr>
           </a:p>
           <a:p>
             <a:pPr algn="ctr"/>
@@ -5265,11 +5336,6 @@
               </a:rPr>
               <a:t>大小</a:t>
             </a:r>
-            <a:endParaRPr lang="en-US" altLang="en-US">
-              <a:solidFill>
-                <a:schemeClr val="tx1"/>
-              </a:solidFill>
-            </a:endParaRPr>
           </a:p>
         </p:txBody>
       </p:sp>
@@ -5317,6 +5383,7 @@
         </p:style>
         <p:txBody>
           <a:bodyPr rtlCol="0" anchor="ctr"/>
+          <a:lstStyle/>
           <a:p>
             <a:pPr algn="ctr"/>
             <a:r>
@@ -5327,11 +5394,6 @@
               </a:rPr>
               <a:t>推理</a:t>
             </a:r>
-            <a:endParaRPr lang="en-US" altLang="en-US">
-              <a:solidFill>
-                <a:schemeClr val="tx1"/>
-              </a:solidFill>
-            </a:endParaRPr>
           </a:p>
           <a:p>
             <a:pPr algn="ctr"/>
@@ -5343,11 +5405,6 @@
               </a:rPr>
               <a:t>速度</a:t>
             </a:r>
-            <a:endParaRPr lang="en-US" altLang="en-US">
-              <a:solidFill>
-                <a:schemeClr val="tx1"/>
-              </a:solidFill>
-            </a:endParaRPr>
           </a:p>
         </p:txBody>
       </p:sp>
@@ -5368,7 +5425,14 @@
         <p:cNvGrpSpPr/>
         <p:nvPr/>
       </p:nvGrpSpPr>
-      <p:grpSpPr/>
+      <p:grpSpPr>
+        <a:xfrm>
+          <a:off x="0" y="0"/>
+          <a:ext cx="0" cy="0"/>
+          <a:chOff x="0" y="0"/>
+          <a:chExt cx="0" cy="0"/>
+        </a:xfrm>
+      </p:grpSpPr>
       <p:sp>
         <p:nvSpPr>
           <p:cNvPr id="5" name="Text Box 4"/>
@@ -5389,12 +5453,12 @@
           <a:bodyPr wrap="square" rtlCol="0">
             <a:spAutoFit/>
           </a:bodyPr>
+          <a:lstStyle/>
           <a:p>
             <a:r>
               <a:rPr lang="en-US" altLang="en-US" sz="3600"/>
               <a:t>目录</a:t>
             </a:r>
-            <a:endParaRPr lang="en-US" altLang="en-US" sz="3600"/>
           </a:p>
         </p:txBody>
       </p:sp>
@@ -5432,6 +5496,7 @@
             <a:bodyPr wrap="square" rtlCol="0">
               <a:spAutoFit/>
             </a:bodyPr>
+            <a:lstStyle/>
             <a:p>
               <a:r>
                 <a:rPr lang="en-US" altLang="en-US" sz="2400">
@@ -5441,11 +5506,6 @@
                 </a:rPr>
                 <a:t>1 OCR简介</a:t>
               </a:r>
-              <a:endParaRPr lang="en-US" altLang="en-US" sz="2400">
-                <a:solidFill>
-                  <a:schemeClr val="tx1"/>
-                </a:solidFill>
-              </a:endParaRPr>
             </a:p>
           </p:txBody>
         </p:sp>
@@ -5469,6 +5529,7 @@
             <a:bodyPr wrap="square" rtlCol="0">
               <a:spAutoFit/>
             </a:bodyPr>
+            <a:lstStyle/>
             <a:p>
               <a:pPr marL="285750" indent="-285750">
                 <a:buFont typeface="Arial" panose="02080604020202020204" pitchFamily="34" charset="0"/>
@@ -5482,11 +5543,6 @@
                 </a:rPr>
                 <a:t>OCR是什么</a:t>
               </a:r>
-              <a:endParaRPr lang="en-US" altLang="en-US">
-                <a:solidFill>
-                  <a:schemeClr val="tx1"/>
-                </a:solidFill>
-              </a:endParaRPr>
             </a:p>
             <a:p>
               <a:pPr marL="285750" indent="-285750">
@@ -5501,11 +5557,6 @@
                 </a:rPr>
                 <a:t>面临的难点</a:t>
               </a:r>
-              <a:endParaRPr lang="en-US" altLang="en-US">
-                <a:solidFill>
-                  <a:schemeClr val="tx1"/>
-                </a:solidFill>
-              </a:endParaRPr>
             </a:p>
           </p:txBody>
         </p:sp>
@@ -5544,6 +5595,7 @@
             <a:bodyPr wrap="square" rtlCol="0">
               <a:spAutoFit/>
             </a:bodyPr>
+            <a:lstStyle/>
             <a:p>
               <a:r>
                 <a:rPr lang="en-US" altLang="en-US" sz="2400">
@@ -5553,11 +5605,6 @@
                 </a:rPr>
                 <a:t>2 解决方案</a:t>
               </a:r>
-              <a:endParaRPr lang="en-US" altLang="en-US" sz="2400">
-                <a:solidFill>
-                  <a:srgbClr val="FF0000"/>
-                </a:solidFill>
-              </a:endParaRPr>
             </a:p>
           </p:txBody>
         </p:sp>
@@ -5581,6 +5628,7 @@
             <a:bodyPr wrap="square" rtlCol="0">
               <a:spAutoFit/>
             </a:bodyPr>
+            <a:lstStyle/>
             <a:p>
               <a:pPr marL="285750" indent="-285750">
                 <a:buFont typeface="Arial" panose="02080604020202020204" pitchFamily="34" charset="0"/>
@@ -5594,11 +5642,6 @@
                 </a:rPr>
                 <a:t>检测模型</a:t>
               </a:r>
-              <a:endParaRPr lang="en-US" altLang="en-US">
-                <a:solidFill>
-                  <a:srgbClr val="FF0000"/>
-                </a:solidFill>
-              </a:endParaRPr>
             </a:p>
             <a:p>
               <a:pPr marL="285750" indent="-285750">
@@ -5613,11 +5656,6 @@
                 </a:rPr>
                 <a:t>方向分类</a:t>
               </a:r>
-              <a:endParaRPr lang="en-US" altLang="en-US">
-                <a:solidFill>
-                  <a:srgbClr val="FF0000"/>
-                </a:solidFill>
-              </a:endParaRPr>
             </a:p>
             <a:p>
               <a:pPr marL="285750" indent="-285750">
@@ -5632,11 +5670,6 @@
                 </a:rPr>
                 <a:t>识别模型</a:t>
               </a:r>
-              <a:endParaRPr lang="en-US" altLang="en-US">
-                <a:solidFill>
-                  <a:srgbClr val="FF0000"/>
-                </a:solidFill>
-              </a:endParaRPr>
             </a:p>
           </p:txBody>
         </p:sp>
@@ -5675,12 +5708,12 @@
             <a:bodyPr wrap="square" rtlCol="0">
               <a:spAutoFit/>
             </a:bodyPr>
+            <a:lstStyle/>
             <a:p>
               <a:r>
                 <a:rPr lang="en-US" altLang="en-US" sz="2400"/>
                 <a:t>3 部署</a:t>
               </a:r>
-              <a:endParaRPr lang="en-US" altLang="en-US" sz="2400"/>
             </a:p>
           </p:txBody>
         </p:sp>
@@ -5704,6 +5737,7 @@
             <a:bodyPr wrap="square" rtlCol="0">
               <a:spAutoFit/>
             </a:bodyPr>
+            <a:lstStyle/>
             <a:p>
               <a:pPr marL="285750" indent="-285750">
                 <a:buFont typeface="Arial" panose="02080604020202020204" pitchFamily="34" charset="0"/>
@@ -5713,7 +5747,6 @@
                 <a:rPr lang="en-US" altLang="en-US"/>
                 <a:t>？？</a:t>
               </a:r>
-              <a:endParaRPr lang="en-US" altLang="en-US"/>
             </a:p>
           </p:txBody>
         </p:sp>
@@ -5735,7 +5768,14 @@
         <p:cNvGrpSpPr/>
         <p:nvPr/>
       </p:nvGrpSpPr>
-      <p:grpSpPr/>
+      <p:grpSpPr>
+        <a:xfrm>
+          <a:off x="0" y="0"/>
+          <a:ext cx="0" cy="0"/>
+          <a:chOff x="0" y="0"/>
+          <a:chExt cx="0" cy="0"/>
+        </a:xfrm>
+      </p:grpSpPr>
       <p:sp>
         <p:nvSpPr>
           <p:cNvPr id="8" name="Text Box 7"/>
@@ -5756,6 +5796,7 @@
           <a:bodyPr wrap="square" rtlCol="0">
             <a:spAutoFit/>
           </a:bodyPr>
+          <a:lstStyle/>
           <a:p>
             <a:r>
               <a:rPr lang="en-US" altLang="en-US" sz="2000"/>
@@ -5796,6 +5837,7 @@
         </p:style>
         <p:txBody>
           <a:bodyPr rtlCol="0" anchor="ctr"/>
+          <a:lstStyle/>
           <a:p>
             <a:pPr algn="ctr"/>
             <a:endParaRPr lang="en-US"/>
@@ -5822,12 +5864,12 @@
           <a:bodyPr wrap="square" rtlCol="0">
             <a:spAutoFit/>
           </a:bodyPr>
+          <a:lstStyle/>
           <a:p>
             <a:r>
               <a:rPr lang="en-US" altLang="en-US"/>
               <a:t>end2end </a:t>
             </a:r>
-            <a:endParaRPr lang="en-US" altLang="en-US"/>
           </a:p>
         </p:txBody>
       </p:sp>
@@ -5851,12 +5893,12 @@
           <a:bodyPr wrap="square" rtlCol="0">
             <a:spAutoFit/>
           </a:bodyPr>
+          <a:lstStyle/>
           <a:p>
             <a:r>
               <a:rPr lang="en-US" altLang="en-US"/>
               <a:t>2 steps</a:t>
             </a:r>
-            <a:endParaRPr lang="en-US" altLang="en-US"/>
           </a:p>
         </p:txBody>
       </p:sp>
@@ -5891,6 +5933,7 @@
         </p:style>
         <p:txBody>
           <a:bodyPr rtlCol="0" anchor="ctr"/>
+          <a:lstStyle/>
           <a:p>
             <a:pPr algn="ctr"/>
             <a:endParaRPr lang="en-US"/>
@@ -5928,6 +5971,7 @@
         </p:style>
         <p:txBody>
           <a:bodyPr rtlCol="0" anchor="ctr"/>
+          <a:lstStyle/>
           <a:p>
             <a:pPr algn="ctr"/>
             <a:endParaRPr lang="en-US"/>
@@ -5954,12 +5998,12 @@
           <a:bodyPr wrap="square" rtlCol="0">
             <a:spAutoFit/>
           </a:bodyPr>
+          <a:lstStyle/>
           <a:p>
             <a:r>
               <a:rPr lang="en-US" altLang="en-US"/>
               <a:t>End2End-PSL</a:t>
             </a:r>
-            <a:endParaRPr lang="en-US" altLang="en-US"/>
           </a:p>
         </p:txBody>
       </p:sp>
@@ -5983,12 +6027,12 @@
           <a:bodyPr wrap="square" rtlCol="0">
             <a:spAutoFit/>
           </a:bodyPr>
+          <a:lstStyle/>
           <a:p>
             <a:r>
               <a:rPr lang="en-US" altLang="en-US"/>
               <a:t>TextDragon</a:t>
             </a:r>
-            <a:endParaRPr lang="en-US" altLang="en-US"/>
           </a:p>
         </p:txBody>
       </p:sp>
@@ -6012,12 +6056,12 @@
           <a:bodyPr wrap="square" rtlCol="0">
             <a:spAutoFit/>
           </a:bodyPr>
+          <a:lstStyle/>
           <a:p>
             <a:r>
               <a:rPr lang="en-US" altLang="en-US"/>
               <a:t>PGNet</a:t>
             </a:r>
-            <a:endParaRPr lang="en-US" altLang="en-US"/>
           </a:p>
         </p:txBody>
       </p:sp>
@@ -6041,12 +6085,12 @@
           <a:bodyPr wrap="square" rtlCol="0">
             <a:spAutoFit/>
           </a:bodyPr>
+          <a:lstStyle/>
           <a:p>
             <a:r>
               <a:rPr lang="en-US" altLang="en-US"/>
               <a:t>......</a:t>
             </a:r>
-            <a:endParaRPr lang="en-US" altLang="en-US"/>
           </a:p>
         </p:txBody>
       </p:sp>
@@ -6070,12 +6114,12 @@
           <a:bodyPr wrap="square" rtlCol="0">
             <a:spAutoFit/>
           </a:bodyPr>
+          <a:lstStyle/>
           <a:p>
             <a:r>
               <a:rPr lang="en-US" altLang="en-US"/>
               <a:t>solution</a:t>
             </a:r>
-            <a:endParaRPr lang="en-US" altLang="en-US"/>
           </a:p>
         </p:txBody>
       </p:sp>
@@ -6110,6 +6154,7 @@
         </p:style>
         <p:txBody>
           <a:bodyPr rtlCol="0" anchor="ctr"/>
+          <a:lstStyle/>
           <a:p>
             <a:pPr algn="ctr"/>
             <a:endParaRPr lang="en-US"/>
@@ -6136,12 +6181,12 @@
           <a:bodyPr wrap="square" rtlCol="0">
             <a:spAutoFit/>
           </a:bodyPr>
+          <a:lstStyle/>
           <a:p>
             <a:r>
               <a:rPr lang="en-US" altLang="en-US"/>
               <a:t>det</a:t>
             </a:r>
-            <a:endParaRPr lang="en-US" altLang="en-US"/>
           </a:p>
         </p:txBody>
       </p:sp>
@@ -6165,12 +6210,12 @@
           <a:bodyPr wrap="square" rtlCol="0">
             <a:spAutoFit/>
           </a:bodyPr>
+          <a:lstStyle/>
           <a:p>
             <a:r>
               <a:rPr lang="en-US" altLang="en-US"/>
               <a:t>rec</a:t>
             </a:r>
-            <a:endParaRPr lang="en-US" altLang="en-US"/>
           </a:p>
         </p:txBody>
       </p:sp>
@@ -6194,12 +6239,12 @@
           <a:bodyPr wrap="square" rtlCol="0">
             <a:spAutoFit/>
           </a:bodyPr>
+          <a:lstStyle/>
           <a:p>
             <a:r>
               <a:rPr lang="en-US" altLang="en-US"/>
               <a:t>EAST</a:t>
             </a:r>
-            <a:endParaRPr lang="en-US" altLang="en-US"/>
           </a:p>
         </p:txBody>
       </p:sp>
@@ -6223,12 +6268,12 @@
           <a:bodyPr wrap="square" rtlCol="0">
             <a:spAutoFit/>
           </a:bodyPr>
+          <a:lstStyle/>
           <a:p>
             <a:r>
               <a:rPr lang="en-US" altLang="en-US"/>
               <a:t>DB</a:t>
             </a:r>
-            <a:endParaRPr lang="en-US" altLang="en-US"/>
           </a:p>
         </p:txBody>
       </p:sp>
@@ -6252,12 +6297,12 @@
           <a:bodyPr wrap="square" rtlCol="0">
             <a:spAutoFit/>
           </a:bodyPr>
+          <a:lstStyle/>
           <a:p>
             <a:r>
               <a:rPr lang="en-US" altLang="en-US"/>
               <a:t>......</a:t>
             </a:r>
-            <a:endParaRPr lang="en-US" altLang="en-US"/>
           </a:p>
         </p:txBody>
       </p:sp>
@@ -6292,6 +6337,7 @@
         </p:style>
         <p:txBody>
           <a:bodyPr rtlCol="0" anchor="ctr"/>
+          <a:lstStyle/>
           <a:p>
             <a:pPr algn="ctr"/>
             <a:endParaRPr lang="en-US"/>
@@ -6318,12 +6364,12 @@
           <a:bodyPr wrap="square" rtlCol="0">
             <a:spAutoFit/>
           </a:bodyPr>
+          <a:lstStyle/>
           <a:p>
             <a:r>
               <a:rPr lang="en-US" altLang="en-US"/>
               <a:t>CRNN</a:t>
             </a:r>
-            <a:endParaRPr lang="en-US" altLang="en-US"/>
           </a:p>
         </p:txBody>
       </p:sp>
@@ -6347,12 +6393,12 @@
           <a:bodyPr wrap="square" rtlCol="0">
             <a:spAutoFit/>
           </a:bodyPr>
+          <a:lstStyle/>
           <a:p>
             <a:r>
               <a:rPr lang="en-US" altLang="en-US"/>
               <a:t>Attention</a:t>
             </a:r>
-            <a:endParaRPr lang="en-US" altLang="en-US"/>
           </a:p>
         </p:txBody>
       </p:sp>
@@ -6376,12 +6422,12 @@
           <a:bodyPr wrap="square" rtlCol="0">
             <a:spAutoFit/>
           </a:bodyPr>
+          <a:lstStyle/>
           <a:p>
             <a:r>
               <a:rPr lang="en-US" altLang="en-US"/>
               <a:t>......</a:t>
             </a:r>
-            <a:endParaRPr lang="en-US" altLang="en-US"/>
           </a:p>
         </p:txBody>
       </p:sp>
@@ -6425,6 +6471,7 @@
         </p:style>
         <p:txBody>
           <a:bodyPr rtlCol="0" anchor="ctr"/>
+          <a:lstStyle/>
           <a:p>
             <a:pPr algn="ctr"/>
             <a:endParaRPr lang="en-US">
@@ -6452,7 +6499,14 @@
         <p:cNvGrpSpPr/>
         <p:nvPr/>
       </p:nvGrpSpPr>
-      <p:grpSpPr/>
+      <p:grpSpPr>
+        <a:xfrm>
+          <a:off x="0" y="0"/>
+          <a:ext cx="0" cy="0"/>
+          <a:chOff x="0" y="0"/>
+          <a:chExt cx="0" cy="0"/>
+        </a:xfrm>
+      </p:grpSpPr>
       <p:sp>
         <p:nvSpPr>
           <p:cNvPr id="8" name="Text Box 7"/>
@@ -6473,12 +6527,12 @@
           <a:bodyPr wrap="square" rtlCol="0">
             <a:spAutoFit/>
           </a:bodyPr>
+          <a:lstStyle/>
           <a:p>
             <a:r>
               <a:rPr lang="en-US" altLang="en-US" sz="2000"/>
               <a:t>检测模型</a:t>
             </a:r>
-            <a:endParaRPr lang="en-US" altLang="en-US" sz="2000"/>
           </a:p>
         </p:txBody>
       </p:sp>
@@ -6491,7 +6545,7 @@
           <p:nvPr/>
         </p:nvPicPr>
         <p:blipFill>
-          <a:blip r:embed="rId1"/>
+          <a:blip r:embed="rId2"/>
           <a:stretch>
             <a:fillRect/>
           </a:stretch>
@@ -6545,6 +6599,7 @@
         </p:style>
         <p:txBody>
           <a:bodyPr rtlCol="0" anchor="ctr"/>
+          <a:lstStyle/>
           <a:p>
             <a:pPr algn="ctr"/>
             <a:endParaRPr lang="en-US"/>
@@ -6560,7 +6615,7 @@
           <p:nvPr/>
         </p:nvPicPr>
         <p:blipFill>
-          <a:blip r:embed="rId2"/>
+          <a:blip r:embed="rId3"/>
           <a:stretch>
             <a:fillRect/>
           </a:stretch>
@@ -6584,7 +6639,7 @@
           <p:nvPr/>
         </p:nvPicPr>
         <p:blipFill>
-          <a:blip r:embed="rId1"/>
+          <a:blip r:embed="rId2"/>
           <a:srcRect l="33068" r="34255" b="53525"/>
           <a:stretch>
             <a:fillRect/>
@@ -6609,7 +6664,7 @@
           <p:nvPr/>
         </p:nvPicPr>
         <p:blipFill>
-          <a:blip r:embed="rId3"/>
+          <a:blip r:embed="rId4"/>
           <a:stretch>
             <a:fillRect/>
           </a:stretch>
@@ -6641,7 +6696,14 @@
         <p:cNvGrpSpPr/>
         <p:nvPr/>
       </p:nvGrpSpPr>
-      <p:grpSpPr/>
+      <p:grpSpPr>
+        <a:xfrm>
+          <a:off x="0" y="0"/>
+          <a:ext cx="0" cy="0"/>
+          <a:chOff x="0" y="0"/>
+          <a:chExt cx="0" cy="0"/>
+        </a:xfrm>
+      </p:grpSpPr>
       <p:pic>
         <p:nvPicPr>
           <p:cNvPr id="4" name="Picture 3" descr="Screenshot from 2021-08-22 23-19-17"/>
@@ -6651,7 +6713,7 @@
           <p:nvPr/>
         </p:nvPicPr>
         <p:blipFill>
-          <a:blip r:embed="rId1"/>
+          <a:blip r:embed="rId2"/>
           <a:stretch>
             <a:fillRect/>
           </a:stretch>
@@ -6686,12 +6748,12 @@
           <a:bodyPr wrap="square" rtlCol="0">
             <a:spAutoFit/>
           </a:bodyPr>
+          <a:lstStyle/>
           <a:p>
             <a:r>
               <a:rPr lang="en-US" altLang="en-US" sz="2000"/>
               <a:t>检测模型</a:t>
             </a:r>
-            <a:endParaRPr lang="en-US" altLang="en-US" sz="2000"/>
           </a:p>
           <a:p>
             <a:r>
@@ -6702,7 +6764,6 @@
               <a:rPr lang="en-US" altLang="en-US"/>
               <a:t>TextDragon</a:t>
             </a:r>
-            <a:endParaRPr lang="en-US" altLang="en-US"/>
           </a:p>
         </p:txBody>
       </p:sp>
@@ -6726,6 +6787,7 @@
           <a:bodyPr wrap="square" rtlCol="0">
             <a:spAutoFit/>
           </a:bodyPr>
+          <a:lstStyle/>
           <a:p>
             <a:r>
               <a:rPr lang="en-US" altLang="en-US" sz="1200"/>
@@ -6743,7 +6805,6 @@
               <a:rPr lang="en-US" sz="1200"/>
               <a:t>, 2019</a:t>
             </a:r>
-            <a:endParaRPr lang="en-US" sz="1200"/>
           </a:p>
         </p:txBody>
       </p:sp>
@@ -6764,7 +6825,14 @@
         <p:cNvGrpSpPr/>
         <p:nvPr/>
       </p:nvGrpSpPr>
-      <p:grpSpPr/>
+      <p:grpSpPr>
+        <a:xfrm>
+          <a:off x="0" y="0"/>
+          <a:ext cx="0" cy="0"/>
+          <a:chOff x="0" y="0"/>
+          <a:chExt cx="0" cy="0"/>
+        </a:xfrm>
+      </p:grpSpPr>
       <p:sp>
         <p:nvSpPr>
           <p:cNvPr id="8" name="Text Box 7"/>
@@ -6785,12 +6853,12 @@
           <a:bodyPr wrap="square" rtlCol="0">
             <a:spAutoFit/>
           </a:bodyPr>
+          <a:lstStyle/>
           <a:p>
             <a:r>
               <a:rPr lang="en-US" altLang="en-US" sz="2000"/>
               <a:t>检测模型</a:t>
             </a:r>
-            <a:endParaRPr lang="en-US" altLang="en-US" sz="2000"/>
           </a:p>
           <a:p>
             <a:r>
@@ -6801,7 +6869,6 @@
               <a:rPr lang="en-US" altLang="en-US"/>
               <a:t>DB</a:t>
             </a:r>
-            <a:endParaRPr lang="en-US" altLang="en-US"/>
           </a:p>
         </p:txBody>
       </p:sp>
@@ -6814,7 +6881,7 @@
           <p:nvPr/>
         </p:nvPicPr>
         <p:blipFill>
-          <a:blip r:embed="rId1"/>
+          <a:blip r:embed="rId2"/>
           <a:stretch>
             <a:fillRect/>
           </a:stretch>
@@ -6849,6 +6916,7 @@
           <a:bodyPr wrap="square" rtlCol="0">
             <a:spAutoFit/>
           </a:bodyPr>
+          <a:lstStyle/>
           <a:p>
             <a:r>
               <a:rPr lang="en-US" altLang="en-US" sz="1200"/>
@@ -6870,7 +6938,6 @@
               <a:rPr lang="en-US" altLang="en-US" sz="1200"/>
               <a:t>2020</a:t>
             </a:r>
-            <a:endParaRPr lang="en-US" altLang="en-US" sz="1200"/>
           </a:p>
         </p:txBody>
       </p:sp>
@@ -7133,6 +7200,8 @@
       </a:bgFillStyleLst>
     </a:fmtScheme>
   </a:themeElements>
+  <a:objectDefaults/>
+  <a:extraClrSchemeLst/>
   <a:extLst>
     <a:ext uri="{05A4C25C-085E-4340-85A3-A5531E510DB2}">
       <thm15:themeFamily xmlns:thm15="http://schemas.microsoft.com/office/thememl/2012/main" name="Office Theme" id="{62F939B6-93AF-4DB8-9C6B-D6C7DFDC589F}" vid="{4A3C46E8-61CC-4603-A589-7422A47A8E4A}"/>

--- a/OCR.pptx
+++ b/OCR.pptx
@@ -18,6 +18,7 @@
     <p:sldId id="269" r:id="rId12"/>
     <p:sldId id="257" r:id="rId13"/>
     <p:sldId id="270" r:id="rId14"/>
+    <p:sldId id="271" r:id="rId15"/>
   </p:sldIdLst>
   <p:sldSz cx="12192000" cy="6858000"/>
   <p:notesSz cx="6858000" cy="9144000"/>
@@ -253,7 +254,7 @@
           <a:p>
             <a:fld id="{D997B5FA-0921-464F-AAE1-844C04324D75}" type="datetimeFigureOut">
               <a:rPr lang="zh-CN" altLang="en-US" smtClean="0"/>
-              <a:t>2021/9/2</a:t>
+              <a:t>2021/12/25</a:t>
             </a:fld>
             <a:endParaRPr lang="zh-CN" altLang="en-US"/>
           </a:p>
@@ -416,7 +417,7 @@
           <a:p>
             <a:fld id="{D997B5FA-0921-464F-AAE1-844C04324D75}" type="datetimeFigureOut">
               <a:rPr lang="zh-CN" altLang="en-US" smtClean="0"/>
-              <a:t>2021/9/2</a:t>
+              <a:t>2021/12/25</a:t>
             </a:fld>
             <a:endParaRPr lang="zh-CN" altLang="en-US"/>
           </a:p>
@@ -589,7 +590,7 @@
           <a:p>
             <a:fld id="{D997B5FA-0921-464F-AAE1-844C04324D75}" type="datetimeFigureOut">
               <a:rPr lang="zh-CN" altLang="en-US" smtClean="0"/>
-              <a:t>2021/9/2</a:t>
+              <a:t>2021/12/25</a:t>
             </a:fld>
             <a:endParaRPr lang="zh-CN" altLang="en-US"/>
           </a:p>
@@ -752,7 +753,7 @@
           <a:p>
             <a:fld id="{D997B5FA-0921-464F-AAE1-844C04324D75}" type="datetimeFigureOut">
               <a:rPr lang="zh-CN" altLang="en-US" smtClean="0"/>
-              <a:t>2021/9/2</a:t>
+              <a:t>2021/12/25</a:t>
             </a:fld>
             <a:endParaRPr lang="zh-CN" altLang="en-US"/>
           </a:p>
@@ -992,7 +993,7 @@
           <a:p>
             <a:fld id="{D997B5FA-0921-464F-AAE1-844C04324D75}" type="datetimeFigureOut">
               <a:rPr lang="zh-CN" altLang="en-US" smtClean="0"/>
-              <a:t>2021/9/2</a:t>
+              <a:t>2021/12/25</a:t>
             </a:fld>
             <a:endParaRPr lang="zh-CN" altLang="en-US"/>
           </a:p>
@@ -1216,7 +1217,7 @@
           <a:p>
             <a:fld id="{D997B5FA-0921-464F-AAE1-844C04324D75}" type="datetimeFigureOut">
               <a:rPr lang="zh-CN" altLang="en-US" smtClean="0"/>
-              <a:t>2021/9/2</a:t>
+              <a:t>2021/12/25</a:t>
             </a:fld>
             <a:endParaRPr lang="zh-CN" altLang="en-US"/>
           </a:p>
@@ -1575,7 +1576,7 @@
           <a:p>
             <a:fld id="{D997B5FA-0921-464F-AAE1-844C04324D75}" type="datetimeFigureOut">
               <a:rPr lang="zh-CN" altLang="en-US" smtClean="0"/>
-              <a:t>2021/9/2</a:t>
+              <a:t>2021/12/25</a:t>
             </a:fld>
             <a:endParaRPr lang="zh-CN" altLang="en-US"/>
           </a:p>
@@ -1687,7 +1688,7 @@
           <a:p>
             <a:fld id="{D997B5FA-0921-464F-AAE1-844C04324D75}" type="datetimeFigureOut">
               <a:rPr lang="zh-CN" altLang="en-US" smtClean="0"/>
-              <a:t>2021/9/2</a:t>
+              <a:t>2021/12/25</a:t>
             </a:fld>
             <a:endParaRPr lang="zh-CN" altLang="en-US"/>
           </a:p>
@@ -1777,7 +1778,7 @@
           <a:p>
             <a:fld id="{D997B5FA-0921-464F-AAE1-844C04324D75}" type="datetimeFigureOut">
               <a:rPr lang="zh-CN" altLang="en-US" smtClean="0"/>
-              <a:t>2021/9/2</a:t>
+              <a:t>2021/12/25</a:t>
             </a:fld>
             <a:endParaRPr lang="zh-CN" altLang="en-US"/>
           </a:p>
@@ -2047,7 +2048,7 @@
           <a:p>
             <a:fld id="{D997B5FA-0921-464F-AAE1-844C04324D75}" type="datetimeFigureOut">
               <a:rPr lang="zh-CN" altLang="en-US" smtClean="0"/>
-              <a:t>2021/9/2</a:t>
+              <a:t>2021/12/25</a:t>
             </a:fld>
             <a:endParaRPr lang="zh-CN" altLang="en-US"/>
           </a:p>
@@ -2294,7 +2295,7 @@
           <a:p>
             <a:fld id="{D997B5FA-0921-464F-AAE1-844C04324D75}" type="datetimeFigureOut">
               <a:rPr lang="zh-CN" altLang="en-US" smtClean="0"/>
-              <a:t>2021/9/2</a:t>
+              <a:t>2021/12/25</a:t>
             </a:fld>
             <a:endParaRPr lang="zh-CN" altLang="en-US"/>
           </a:p>
@@ -2500,7 +2501,7 @@
           <a:p>
             <a:fld id="{D997B5FA-0921-464F-AAE1-844C04324D75}" type="datetimeFigureOut">
               <a:rPr lang="zh-CN" altLang="en-US" smtClean="0"/>
-              <a:t>2021/9/2</a:t>
+              <a:t>2021/12/25</a:t>
             </a:fld>
             <a:endParaRPr lang="zh-CN" altLang="en-US"/>
           </a:p>
@@ -4361,6 +4362,705 @@
 </p:sld>
 </file>
 
+<file path=ppt/slides/slide14.xml><?xml version="1.0" encoding="utf-8"?>
+<p:sld xmlns:a="http://schemas.openxmlformats.org/drawingml/2006/main" xmlns:r="http://schemas.openxmlformats.org/officeDocument/2006/relationships" xmlns:p="http://schemas.openxmlformats.org/presentationml/2006/main">
+  <p:cSld>
+    <p:spTree>
+      <p:nvGrpSpPr>
+        <p:cNvPr id="1" name=""/>
+        <p:cNvGrpSpPr/>
+        <p:nvPr/>
+      </p:nvGrpSpPr>
+      <p:grpSpPr>
+        <a:xfrm>
+          <a:off x="0" y="0"/>
+          <a:ext cx="0" cy="0"/>
+          <a:chOff x="0" y="0"/>
+          <a:chExt cx="0" cy="0"/>
+        </a:xfrm>
+      </p:grpSpPr>
+      <p:grpSp>
+        <p:nvGrpSpPr>
+          <p:cNvPr id="25" name="组合 24">
+            <a:extLst>
+              <a:ext uri="{FF2B5EF4-FFF2-40B4-BE49-F238E27FC236}">
+                <a16:creationId xmlns:a16="http://schemas.microsoft.com/office/drawing/2014/main" id="{F022BCB7-E06C-E748-B39E-8486336E1A98}"/>
+              </a:ext>
+            </a:extLst>
+          </p:cNvPr>
+          <p:cNvGrpSpPr/>
+          <p:nvPr/>
+        </p:nvGrpSpPr>
+        <p:grpSpPr>
+          <a:xfrm>
+            <a:off x="2249210" y="2018723"/>
+            <a:ext cx="951191" cy="919659"/>
+            <a:chOff x="1949666" y="2207174"/>
+            <a:chExt cx="951191" cy="919659"/>
+          </a:xfrm>
+        </p:grpSpPr>
+        <p:sp>
+          <p:nvSpPr>
+            <p:cNvPr id="13" name="矩形 12">
+              <a:extLst>
+                <a:ext uri="{FF2B5EF4-FFF2-40B4-BE49-F238E27FC236}">
+                  <a16:creationId xmlns:a16="http://schemas.microsoft.com/office/drawing/2014/main" id="{981F870E-B040-664A-96EF-15F1C0102214}"/>
+                </a:ext>
+              </a:extLst>
+            </p:cNvPr>
+            <p:cNvSpPr/>
+            <p:nvPr/>
+          </p:nvSpPr>
+          <p:spPr>
+            <a:xfrm>
+              <a:off x="1949666" y="2207174"/>
+              <a:ext cx="620111" cy="588579"/>
+            </a:xfrm>
+            <a:prstGeom prst="rect">
+              <a:avLst/>
+            </a:prstGeom>
+          </p:spPr>
+          <p:style>
+            <a:lnRef idx="2">
+              <a:schemeClr val="accent1">
+                <a:shade val="50000"/>
+              </a:schemeClr>
+            </a:lnRef>
+            <a:fillRef idx="1">
+              <a:schemeClr val="accent1"/>
+            </a:fillRef>
+            <a:effectRef idx="0">
+              <a:schemeClr val="accent1"/>
+            </a:effectRef>
+            <a:fontRef idx="minor">
+              <a:schemeClr val="lt1"/>
+            </a:fontRef>
+          </p:style>
+          <p:txBody>
+            <a:bodyPr rtlCol="0" anchor="ctr"/>
+            <a:lstStyle/>
+            <a:p>
+              <a:pPr algn="ctr"/>
+              <a:r>
+                <a:rPr kumimoji="1" lang="en-US" altLang="zh-CN" sz="1600" dirty="0"/>
+                <a:t>img1</a:t>
+              </a:r>
+              <a:endParaRPr kumimoji="1" lang="zh-CN" altLang="en-US" sz="1600" dirty="0"/>
+            </a:p>
+          </p:txBody>
+        </p:sp>
+        <p:sp>
+          <p:nvSpPr>
+            <p:cNvPr id="22" name="矩形 21">
+              <a:extLst>
+                <a:ext uri="{FF2B5EF4-FFF2-40B4-BE49-F238E27FC236}">
+                  <a16:creationId xmlns:a16="http://schemas.microsoft.com/office/drawing/2014/main" id="{A1948961-E12C-A646-A777-F12DD5EB0DE2}"/>
+                </a:ext>
+              </a:extLst>
+            </p:cNvPr>
+            <p:cNvSpPr/>
+            <p:nvPr/>
+          </p:nvSpPr>
+          <p:spPr>
+            <a:xfrm>
+              <a:off x="2060026" y="2317534"/>
+              <a:ext cx="620111" cy="588579"/>
+            </a:xfrm>
+            <a:prstGeom prst="rect">
+              <a:avLst/>
+            </a:prstGeom>
+          </p:spPr>
+          <p:style>
+            <a:lnRef idx="2">
+              <a:schemeClr val="accent1">
+                <a:shade val="50000"/>
+              </a:schemeClr>
+            </a:lnRef>
+            <a:fillRef idx="1">
+              <a:schemeClr val="accent1"/>
+            </a:fillRef>
+            <a:effectRef idx="0">
+              <a:schemeClr val="accent1"/>
+            </a:effectRef>
+            <a:fontRef idx="minor">
+              <a:schemeClr val="lt1"/>
+            </a:fontRef>
+          </p:style>
+          <p:txBody>
+            <a:bodyPr rtlCol="0" anchor="ctr"/>
+            <a:lstStyle/>
+            <a:p>
+              <a:pPr algn="ctr"/>
+              <a:r>
+                <a:rPr kumimoji="1" lang="en-US" altLang="zh-CN" sz="1600" dirty="0"/>
+                <a:t>img1</a:t>
+              </a:r>
+              <a:endParaRPr kumimoji="1" lang="zh-CN" altLang="en-US" sz="1600" dirty="0"/>
+            </a:p>
+          </p:txBody>
+        </p:sp>
+        <p:sp>
+          <p:nvSpPr>
+            <p:cNvPr id="23" name="矩形 22">
+              <a:extLst>
+                <a:ext uri="{FF2B5EF4-FFF2-40B4-BE49-F238E27FC236}">
+                  <a16:creationId xmlns:a16="http://schemas.microsoft.com/office/drawing/2014/main" id="{905522E2-DE11-224F-BD82-C79DE74E120A}"/>
+                </a:ext>
+              </a:extLst>
+            </p:cNvPr>
+            <p:cNvSpPr/>
+            <p:nvPr/>
+          </p:nvSpPr>
+          <p:spPr>
+            <a:xfrm>
+              <a:off x="2170386" y="2427894"/>
+              <a:ext cx="620111" cy="588579"/>
+            </a:xfrm>
+            <a:prstGeom prst="rect">
+              <a:avLst/>
+            </a:prstGeom>
+          </p:spPr>
+          <p:style>
+            <a:lnRef idx="2">
+              <a:schemeClr val="accent1">
+                <a:shade val="50000"/>
+              </a:schemeClr>
+            </a:lnRef>
+            <a:fillRef idx="1">
+              <a:schemeClr val="accent1"/>
+            </a:fillRef>
+            <a:effectRef idx="0">
+              <a:schemeClr val="accent1"/>
+            </a:effectRef>
+            <a:fontRef idx="minor">
+              <a:schemeClr val="lt1"/>
+            </a:fontRef>
+          </p:style>
+          <p:txBody>
+            <a:bodyPr rtlCol="0" anchor="ctr"/>
+            <a:lstStyle/>
+            <a:p>
+              <a:pPr algn="ctr"/>
+              <a:r>
+                <a:rPr kumimoji="1" lang="en-US" altLang="zh-CN" sz="1600" dirty="0"/>
+                <a:t>img1</a:t>
+              </a:r>
+              <a:endParaRPr kumimoji="1" lang="zh-CN" altLang="en-US" sz="1600" dirty="0"/>
+            </a:p>
+          </p:txBody>
+        </p:sp>
+        <p:sp>
+          <p:nvSpPr>
+            <p:cNvPr id="24" name="矩形 23">
+              <a:extLst>
+                <a:ext uri="{FF2B5EF4-FFF2-40B4-BE49-F238E27FC236}">
+                  <a16:creationId xmlns:a16="http://schemas.microsoft.com/office/drawing/2014/main" id="{73CB548E-94FB-EB43-A332-B72A16EB83DD}"/>
+                </a:ext>
+              </a:extLst>
+            </p:cNvPr>
+            <p:cNvSpPr/>
+            <p:nvPr/>
+          </p:nvSpPr>
+          <p:spPr>
+            <a:xfrm>
+              <a:off x="2280746" y="2538254"/>
+              <a:ext cx="620111" cy="588579"/>
+            </a:xfrm>
+            <a:prstGeom prst="rect">
+              <a:avLst/>
+            </a:prstGeom>
+          </p:spPr>
+          <p:style>
+            <a:lnRef idx="2">
+              <a:schemeClr val="accent1">
+                <a:shade val="50000"/>
+              </a:schemeClr>
+            </a:lnRef>
+            <a:fillRef idx="1">
+              <a:schemeClr val="accent1"/>
+            </a:fillRef>
+            <a:effectRef idx="0">
+              <a:schemeClr val="accent1"/>
+            </a:effectRef>
+            <a:fontRef idx="minor">
+              <a:schemeClr val="lt1"/>
+            </a:fontRef>
+          </p:style>
+          <p:txBody>
+            <a:bodyPr rtlCol="0" anchor="ctr"/>
+            <a:lstStyle/>
+            <a:p>
+              <a:pPr algn="ctr"/>
+              <a:r>
+                <a:rPr kumimoji="1" lang="en-US" altLang="zh-CN" sz="1600" dirty="0"/>
+                <a:t>img1</a:t>
+              </a:r>
+              <a:endParaRPr kumimoji="1" lang="zh-CN" altLang="en-US" sz="1600" dirty="0"/>
+            </a:p>
+          </p:txBody>
+        </p:sp>
+      </p:grpSp>
+      <p:sp>
+        <p:nvSpPr>
+          <p:cNvPr id="2" name="矩形 1">
+            <a:extLst>
+              <a:ext uri="{FF2B5EF4-FFF2-40B4-BE49-F238E27FC236}">
+                <a16:creationId xmlns:a16="http://schemas.microsoft.com/office/drawing/2014/main" id="{F6B4D5B6-5349-0B49-ACBE-7986AF63804C}"/>
+              </a:ext>
+            </a:extLst>
+          </p:cNvPr>
+          <p:cNvSpPr/>
+          <p:nvPr/>
+        </p:nvSpPr>
+        <p:spPr>
+          <a:xfrm>
+            <a:off x="532095" y="1092657"/>
+            <a:ext cx="620111" cy="588579"/>
+          </a:xfrm>
+          <a:prstGeom prst="rect">
+            <a:avLst/>
+          </a:prstGeom>
+        </p:spPr>
+        <p:style>
+          <a:lnRef idx="2">
+            <a:schemeClr val="accent1">
+              <a:shade val="50000"/>
+            </a:schemeClr>
+          </a:lnRef>
+          <a:fillRef idx="1">
+            <a:schemeClr val="accent1"/>
+          </a:fillRef>
+          <a:effectRef idx="0">
+            <a:schemeClr val="accent1"/>
+          </a:effectRef>
+          <a:fontRef idx="minor">
+            <a:schemeClr val="lt1"/>
+          </a:fontRef>
+        </p:style>
+        <p:txBody>
+          <a:bodyPr rtlCol="0" anchor="ctr"/>
+          <a:lstStyle/>
+          <a:p>
+            <a:pPr algn="ctr"/>
+            <a:r>
+              <a:rPr kumimoji="1" lang="en-US" altLang="zh-CN" sz="1600" dirty="0"/>
+              <a:t>img1</a:t>
+            </a:r>
+            <a:endParaRPr kumimoji="1" lang="zh-CN" altLang="en-US" sz="1600" dirty="0"/>
+          </a:p>
+        </p:txBody>
+      </p:sp>
+      <p:sp>
+        <p:nvSpPr>
+          <p:cNvPr id="5" name="矩形 4">
+            <a:extLst>
+              <a:ext uri="{FF2B5EF4-FFF2-40B4-BE49-F238E27FC236}">
+                <a16:creationId xmlns:a16="http://schemas.microsoft.com/office/drawing/2014/main" id="{8ECB4FDC-DBF3-5744-AE67-D8CBCC65871C}"/>
+              </a:ext>
+            </a:extLst>
+          </p:cNvPr>
+          <p:cNvSpPr/>
+          <p:nvPr/>
+        </p:nvSpPr>
+        <p:spPr>
+          <a:xfrm>
+            <a:off x="536046" y="1785605"/>
+            <a:ext cx="620111" cy="588579"/>
+          </a:xfrm>
+          <a:prstGeom prst="rect">
+            <a:avLst/>
+          </a:prstGeom>
+        </p:spPr>
+        <p:style>
+          <a:lnRef idx="2">
+            <a:schemeClr val="accent1">
+              <a:shade val="50000"/>
+            </a:schemeClr>
+          </a:lnRef>
+          <a:fillRef idx="1">
+            <a:schemeClr val="accent1"/>
+          </a:fillRef>
+          <a:effectRef idx="0">
+            <a:schemeClr val="accent1"/>
+          </a:effectRef>
+          <a:fontRef idx="minor">
+            <a:schemeClr val="lt1"/>
+          </a:fontRef>
+        </p:style>
+        <p:txBody>
+          <a:bodyPr rtlCol="0" anchor="ctr"/>
+          <a:lstStyle/>
+          <a:p>
+            <a:pPr algn="ctr"/>
+            <a:r>
+              <a:rPr kumimoji="1" lang="en-US" altLang="zh-CN" sz="1600" dirty="0"/>
+              <a:t>img2</a:t>
+            </a:r>
+            <a:endParaRPr kumimoji="1" lang="zh-CN" altLang="en-US" sz="1600" dirty="0"/>
+          </a:p>
+        </p:txBody>
+      </p:sp>
+      <p:sp>
+        <p:nvSpPr>
+          <p:cNvPr id="6" name="矩形 5">
+            <a:extLst>
+              <a:ext uri="{FF2B5EF4-FFF2-40B4-BE49-F238E27FC236}">
+                <a16:creationId xmlns:a16="http://schemas.microsoft.com/office/drawing/2014/main" id="{C511A1F4-5D04-F441-8150-785C5CE9A6A1}"/>
+              </a:ext>
+            </a:extLst>
+          </p:cNvPr>
+          <p:cNvSpPr/>
+          <p:nvPr/>
+        </p:nvSpPr>
+        <p:spPr>
+          <a:xfrm>
+            <a:off x="542602" y="2478553"/>
+            <a:ext cx="620111" cy="588579"/>
+          </a:xfrm>
+          <a:prstGeom prst="rect">
+            <a:avLst/>
+          </a:prstGeom>
+        </p:spPr>
+        <p:style>
+          <a:lnRef idx="2">
+            <a:schemeClr val="accent1">
+              <a:shade val="50000"/>
+            </a:schemeClr>
+          </a:lnRef>
+          <a:fillRef idx="1">
+            <a:schemeClr val="accent1"/>
+          </a:fillRef>
+          <a:effectRef idx="0">
+            <a:schemeClr val="accent1"/>
+          </a:effectRef>
+          <a:fontRef idx="minor">
+            <a:schemeClr val="lt1"/>
+          </a:fontRef>
+        </p:style>
+        <p:txBody>
+          <a:bodyPr rtlCol="0" anchor="ctr"/>
+          <a:lstStyle/>
+          <a:p>
+            <a:pPr algn="ctr"/>
+            <a:r>
+              <a:rPr kumimoji="1" lang="en-US" altLang="zh-CN" sz="1600" dirty="0"/>
+              <a:t>img3</a:t>
+            </a:r>
+            <a:endParaRPr kumimoji="1" lang="zh-CN" altLang="en-US" sz="1600" dirty="0"/>
+          </a:p>
+        </p:txBody>
+      </p:sp>
+      <p:sp>
+        <p:nvSpPr>
+          <p:cNvPr id="7" name="矩形 6">
+            <a:extLst>
+              <a:ext uri="{FF2B5EF4-FFF2-40B4-BE49-F238E27FC236}">
+                <a16:creationId xmlns:a16="http://schemas.microsoft.com/office/drawing/2014/main" id="{933C207A-BD03-8D44-A1B6-63BC5C9B0D66}"/>
+              </a:ext>
+            </a:extLst>
+          </p:cNvPr>
+          <p:cNvSpPr/>
+          <p:nvPr/>
+        </p:nvSpPr>
+        <p:spPr>
+          <a:xfrm>
+            <a:off x="542603" y="3171501"/>
+            <a:ext cx="620111" cy="588579"/>
+          </a:xfrm>
+          <a:prstGeom prst="rect">
+            <a:avLst/>
+          </a:prstGeom>
+        </p:spPr>
+        <p:style>
+          <a:lnRef idx="2">
+            <a:schemeClr val="accent1">
+              <a:shade val="50000"/>
+            </a:schemeClr>
+          </a:lnRef>
+          <a:fillRef idx="1">
+            <a:schemeClr val="accent1"/>
+          </a:fillRef>
+          <a:effectRef idx="0">
+            <a:schemeClr val="accent1"/>
+          </a:effectRef>
+          <a:fontRef idx="minor">
+            <a:schemeClr val="lt1"/>
+          </a:fontRef>
+        </p:style>
+        <p:txBody>
+          <a:bodyPr rtlCol="0" anchor="ctr"/>
+          <a:lstStyle/>
+          <a:p>
+            <a:pPr algn="ctr"/>
+            <a:r>
+              <a:rPr kumimoji="1" lang="en-US" altLang="zh-CN" sz="1600" dirty="0"/>
+              <a:t>img4</a:t>
+            </a:r>
+            <a:endParaRPr kumimoji="1" lang="zh-CN" altLang="en-US" sz="1600" dirty="0"/>
+          </a:p>
+        </p:txBody>
+      </p:sp>
+      <p:cxnSp>
+        <p:nvCxnSpPr>
+          <p:cNvPr id="9" name="直线箭头连接符 8">
+            <a:extLst>
+              <a:ext uri="{FF2B5EF4-FFF2-40B4-BE49-F238E27FC236}">
+                <a16:creationId xmlns:a16="http://schemas.microsoft.com/office/drawing/2014/main" id="{BD671282-73F9-ED40-8651-8C9BD0631264}"/>
+              </a:ext>
+            </a:extLst>
+          </p:cNvPr>
+          <p:cNvCxnSpPr>
+            <a:cxnSpLocks/>
+          </p:cNvCxnSpPr>
+          <p:nvPr/>
+        </p:nvCxnSpPr>
+        <p:spPr>
+          <a:xfrm flipV="1">
+            <a:off x="1194736" y="2518651"/>
+            <a:ext cx="875802" cy="947139"/>
+          </a:xfrm>
+          <a:prstGeom prst="straightConnector1">
+            <a:avLst/>
+          </a:prstGeom>
+          <a:ln>
+            <a:tailEnd type="triangle"/>
+          </a:ln>
+        </p:spPr>
+        <p:style>
+          <a:lnRef idx="1">
+            <a:schemeClr val="dk1"/>
+          </a:lnRef>
+          <a:fillRef idx="0">
+            <a:schemeClr val="dk1"/>
+          </a:fillRef>
+          <a:effectRef idx="0">
+            <a:schemeClr val="dk1"/>
+          </a:effectRef>
+          <a:fontRef idx="minor">
+            <a:schemeClr val="tx1"/>
+          </a:fontRef>
+        </p:style>
+      </p:cxnSp>
+      <p:cxnSp>
+        <p:nvCxnSpPr>
+          <p:cNvPr id="10" name="直线箭头连接符 9">
+            <a:extLst>
+              <a:ext uri="{FF2B5EF4-FFF2-40B4-BE49-F238E27FC236}">
+                <a16:creationId xmlns:a16="http://schemas.microsoft.com/office/drawing/2014/main" id="{E877F3A0-DC27-3A4D-9300-31F57E5DD262}"/>
+              </a:ext>
+            </a:extLst>
+          </p:cNvPr>
+          <p:cNvCxnSpPr>
+            <a:cxnSpLocks/>
+          </p:cNvCxnSpPr>
+          <p:nvPr/>
+        </p:nvCxnSpPr>
+        <p:spPr>
+          <a:xfrm>
+            <a:off x="1230703" y="1386946"/>
+            <a:ext cx="839835" cy="1010468"/>
+          </a:xfrm>
+          <a:prstGeom prst="straightConnector1">
+            <a:avLst/>
+          </a:prstGeom>
+          <a:ln>
+            <a:tailEnd type="triangle"/>
+          </a:ln>
+        </p:spPr>
+        <p:style>
+          <a:lnRef idx="1">
+            <a:schemeClr val="dk1"/>
+          </a:lnRef>
+          <a:fillRef idx="0">
+            <a:schemeClr val="dk1"/>
+          </a:fillRef>
+          <a:effectRef idx="0">
+            <a:schemeClr val="dk1"/>
+          </a:effectRef>
+          <a:fontRef idx="minor">
+            <a:schemeClr val="tx1"/>
+          </a:fontRef>
+        </p:style>
+      </p:cxnSp>
+      <p:cxnSp>
+        <p:nvCxnSpPr>
+          <p:cNvPr id="11" name="直线箭头连接符 10">
+            <a:extLst>
+              <a:ext uri="{FF2B5EF4-FFF2-40B4-BE49-F238E27FC236}">
+                <a16:creationId xmlns:a16="http://schemas.microsoft.com/office/drawing/2014/main" id="{5A0B19ED-4002-664F-BC95-E343DE3CFA9B}"/>
+              </a:ext>
+            </a:extLst>
+          </p:cNvPr>
+          <p:cNvCxnSpPr>
+            <a:cxnSpLocks/>
+          </p:cNvCxnSpPr>
+          <p:nvPr/>
+        </p:nvCxnSpPr>
+        <p:spPr>
+          <a:xfrm flipV="1">
+            <a:off x="1194736" y="2495421"/>
+            <a:ext cx="860037" cy="277421"/>
+          </a:xfrm>
+          <a:prstGeom prst="straightConnector1">
+            <a:avLst/>
+          </a:prstGeom>
+          <a:ln>
+            <a:tailEnd type="triangle"/>
+          </a:ln>
+        </p:spPr>
+        <p:style>
+          <a:lnRef idx="1">
+            <a:schemeClr val="dk1"/>
+          </a:lnRef>
+          <a:fillRef idx="0">
+            <a:schemeClr val="dk1"/>
+          </a:fillRef>
+          <a:effectRef idx="0">
+            <a:schemeClr val="dk1"/>
+          </a:effectRef>
+          <a:fontRef idx="minor">
+            <a:schemeClr val="tx1"/>
+          </a:fontRef>
+        </p:style>
+      </p:cxnSp>
+      <p:cxnSp>
+        <p:nvCxnSpPr>
+          <p:cNvPr id="12" name="直线箭头连接符 11">
+            <a:extLst>
+              <a:ext uri="{FF2B5EF4-FFF2-40B4-BE49-F238E27FC236}">
+                <a16:creationId xmlns:a16="http://schemas.microsoft.com/office/drawing/2014/main" id="{4CBED785-68B8-5C45-9758-071390FE42DD}"/>
+              </a:ext>
+            </a:extLst>
+          </p:cNvPr>
+          <p:cNvCxnSpPr>
+            <a:cxnSpLocks/>
+          </p:cNvCxnSpPr>
+          <p:nvPr/>
+        </p:nvCxnSpPr>
+        <p:spPr>
+          <a:xfrm>
+            <a:off x="1194736" y="2107648"/>
+            <a:ext cx="875802" cy="360804"/>
+          </a:xfrm>
+          <a:prstGeom prst="straightConnector1">
+            <a:avLst/>
+          </a:prstGeom>
+          <a:ln>
+            <a:tailEnd type="triangle"/>
+          </a:ln>
+        </p:spPr>
+        <p:style>
+          <a:lnRef idx="1">
+            <a:schemeClr val="dk1"/>
+          </a:lnRef>
+          <a:fillRef idx="0">
+            <a:schemeClr val="dk1"/>
+          </a:fillRef>
+          <a:effectRef idx="0">
+            <a:schemeClr val="dk1"/>
+          </a:effectRef>
+          <a:fontRef idx="minor">
+            <a:schemeClr val="tx1"/>
+          </a:fontRef>
+        </p:style>
+      </p:cxnSp>
+      <p:sp>
+        <p:nvSpPr>
+          <p:cNvPr id="30" name="文本框 29">
+            <a:extLst>
+              <a:ext uri="{FF2B5EF4-FFF2-40B4-BE49-F238E27FC236}">
+                <a16:creationId xmlns:a16="http://schemas.microsoft.com/office/drawing/2014/main" id="{C4F66926-8522-174F-BB0D-FEB5B2B2031D}"/>
+              </a:ext>
+            </a:extLst>
+          </p:cNvPr>
+          <p:cNvSpPr txBox="1"/>
+          <p:nvPr/>
+        </p:nvSpPr>
+        <p:spPr>
+          <a:xfrm>
+            <a:off x="1395252" y="249994"/>
+            <a:ext cx="1319041" cy="646331"/>
+          </a:xfrm>
+          <a:prstGeom prst="rect">
+            <a:avLst/>
+          </a:prstGeom>
+          <a:noFill/>
+        </p:spPr>
+        <p:txBody>
+          <a:bodyPr wrap="square" rtlCol="0">
+            <a:spAutoFit/>
+          </a:bodyPr>
+          <a:lstStyle/>
+          <a:p>
+            <a:r>
+              <a:rPr kumimoji="1" lang="en-US" altLang="zh-CN" dirty="0" err="1"/>
+              <a:t>cpu</a:t>
+            </a:r>
+            <a:endParaRPr kumimoji="1" lang="en-US" altLang="zh-CN" dirty="0"/>
+          </a:p>
+          <a:p>
+            <a:r>
+              <a:rPr kumimoji="1" lang="zh-CN" altLang="en-US" dirty="0"/>
+              <a:t>预处理</a:t>
+            </a:r>
+          </a:p>
+        </p:txBody>
+      </p:sp>
+      <p:sp>
+        <p:nvSpPr>
+          <p:cNvPr id="31" name="文本框 30">
+            <a:extLst>
+              <a:ext uri="{FF2B5EF4-FFF2-40B4-BE49-F238E27FC236}">
+                <a16:creationId xmlns:a16="http://schemas.microsoft.com/office/drawing/2014/main" id="{B2B507E9-8453-024E-88A7-39983E0AFF50}"/>
+              </a:ext>
+            </a:extLst>
+          </p:cNvPr>
+          <p:cNvSpPr txBox="1"/>
+          <p:nvPr/>
+        </p:nvSpPr>
+        <p:spPr>
+          <a:xfrm>
+            <a:off x="3626069" y="249993"/>
+            <a:ext cx="1229711" cy="646331"/>
+          </a:xfrm>
+          <a:prstGeom prst="rect">
+            <a:avLst/>
+          </a:prstGeom>
+          <a:noFill/>
+        </p:spPr>
+        <p:txBody>
+          <a:bodyPr wrap="square" rtlCol="0">
+            <a:spAutoFit/>
+          </a:bodyPr>
+          <a:lstStyle/>
+          <a:p>
+            <a:r>
+              <a:rPr kumimoji="1" lang="en-US" altLang="zh-CN" dirty="0" err="1"/>
+              <a:t>gpu</a:t>
+            </a:r>
+            <a:endParaRPr kumimoji="1" lang="en-US" altLang="zh-CN" dirty="0"/>
+          </a:p>
+          <a:p>
+            <a:r>
+              <a:rPr kumimoji="1" lang="zh-CN" altLang="en-US" dirty="0"/>
+              <a:t>模型推理</a:t>
+            </a:r>
+          </a:p>
+        </p:txBody>
+      </p:sp>
+    </p:spTree>
+    <p:extLst>
+      <p:ext uri="{BB962C8B-B14F-4D97-AF65-F5344CB8AC3E}">
+        <p14:creationId xmlns:p14="http://schemas.microsoft.com/office/powerpoint/2010/main" val="3617853101"/>
+      </p:ext>
+    </p:extLst>
+  </p:cSld>
+  <p:clrMapOvr>
+    <a:masterClrMapping/>
+  </p:clrMapOvr>
+</p:sld>
+</file>
+
 <file path=ppt/slides/slide2.xml><?xml version="1.0" encoding="utf-8"?>
 <p:sld xmlns:a="http://schemas.openxmlformats.org/drawingml/2006/main" xmlns:r="http://schemas.openxmlformats.org/officeDocument/2006/relationships" xmlns:p="http://schemas.openxmlformats.org/presentationml/2006/main">
   <p:cSld>
